--- a/Presentation/thesis_overview_v2.pptx
+++ b/Presentation/thesis_overview_v2.pptx
@@ -5,7 +5,7 @@
     <p:sldMasterId id="2147483648" r:id="rId1"/>
   </p:sldMasterIdLst>
   <p:notesMasterIdLst>
-    <p:notesMasterId r:id="rId24"/>
+    <p:notesMasterId r:id="rId32"/>
   </p:notesMasterIdLst>
   <p:sldIdLst>
     <p:sldId id="256" r:id="rId2"/>
@@ -22,14 +22,22 @@
     <p:sldId id="278" r:id="rId13"/>
     <p:sldId id="284" r:id="rId14"/>
     <p:sldId id="291" r:id="rId15"/>
-    <p:sldId id="286" r:id="rId16"/>
-    <p:sldId id="287" r:id="rId17"/>
-    <p:sldId id="289" r:id="rId18"/>
-    <p:sldId id="290" r:id="rId19"/>
-    <p:sldId id="293" r:id="rId20"/>
-    <p:sldId id="292" r:id="rId21"/>
-    <p:sldId id="285" r:id="rId22"/>
-    <p:sldId id="279" r:id="rId23"/>
+    <p:sldId id="294" r:id="rId16"/>
+    <p:sldId id="286" r:id="rId17"/>
+    <p:sldId id="295" r:id="rId18"/>
+    <p:sldId id="287" r:id="rId19"/>
+    <p:sldId id="289" r:id="rId20"/>
+    <p:sldId id="290" r:id="rId21"/>
+    <p:sldId id="293" r:id="rId22"/>
+    <p:sldId id="296" r:id="rId23"/>
+    <p:sldId id="297" r:id="rId24"/>
+    <p:sldId id="298" r:id="rId25"/>
+    <p:sldId id="299" r:id="rId26"/>
+    <p:sldId id="300" r:id="rId27"/>
+    <p:sldId id="301" r:id="rId28"/>
+    <p:sldId id="292" r:id="rId29"/>
+    <p:sldId id="285" r:id="rId30"/>
+    <p:sldId id="279" r:id="rId31"/>
   </p:sldIdLst>
   <p:sldSz cx="12192000" cy="6858000"/>
   <p:notesSz cx="6858000" cy="9144000"/>
@@ -218,7 +226,7 @@
           <a:p>
             <a:fld id="{76EB899B-6C3D-4978-B2ED-7DF7A3953BBE}" type="datetimeFigureOut">
               <a:rPr lang="en-GB" smtClean="0"/>
-              <a:t>26/05/2021</a:t>
+              <a:t>27/05/2021</a:t>
             </a:fld>
             <a:endParaRPr lang="en-GB"/>
           </a:p>
@@ -1351,75 +1359,18 @@
           <a:bodyPr/>
           <a:lstStyle/>
           <a:p>
-            <a:pPr marL="0" indent="0">
+            <a:pPr marL="171450" indent="-171450">
               <a:buFont typeface="Arial" panose="020B0604020202020204" pitchFamily="34" charset="0"/>
-              <a:buNone/>
+              <a:buChar char="•"/>
             </a:pPr>
             <a:r>
               <a:rPr lang="en-GB" dirty="0"/>
-              <a:t>My third aim is to calculate the solution for the case where a broadband or noisy driver is used. Throughout this thesis I mainly use sinusoidal drivers but I thought it would be good to at least once consider the case where a noisy driver is used as this more closely resembles what the driver on the sun actually behaves like.</a:t>
-            </a:r>
-          </a:p>
-          <a:p>
-            <a:pPr marL="0" indent="0">
-              <a:buFont typeface="Arial" panose="020B0604020202020204" pitchFamily="34" charset="0"/>
-              <a:buNone/>
-            </a:pPr>
+              <a:t>This leads nicely into my second aim which is to calculate the solution for the case where the driver is sinusoidal. The reason I consider a sinusoidal driver is that I think it’s the simplest case to consider. In reality the footpoint driver on the Sun will be much more random but you can model this as a superposition of many sinusoidal drivers. In this section my goal was to introduce some key concepts like resonance and the beating effect. I produced lots of graphs like the ones shown here as I thought this is really useful for building intuition for how the solution changes depending on the frequency of the driver. </a:t>
+            </a:r>
+            <a:br>
+              <a:rPr lang="en-GB" dirty="0"/>
+            </a:br>
             <a:endParaRPr lang="en-GB" dirty="0"/>
-          </a:p>
-          <a:p>
-            <a:pPr marL="0" indent="0">
-              <a:buFont typeface="Arial" panose="020B0604020202020204" pitchFamily="34" charset="0"/>
-              <a:buNone/>
-            </a:pPr>
-            <a:r>
-              <a:rPr lang="en-GB" dirty="0"/>
-              <a:t>I was also curious if the energy will grow to infinity or oscillate about a finite value. Before I did these calculations I actually had no idea what would happen because I knew from the sinusoidal solutions that the energy only grows to infinity if the resonant frequency is excited. It turns out that for a resonant loop the energy grows quadratically with time and for a noisy loop the variance (which you can think of as the energy) grows linearly with time. You can see this linear growth in the top row here.</a:t>
-            </a:r>
-          </a:p>
-          <a:p>
-            <a:pPr marL="0" indent="0">
-              <a:buFont typeface="Arial" panose="020B0604020202020204" pitchFamily="34" charset="0"/>
-              <a:buNone/>
-            </a:pPr>
-            <a:endParaRPr lang="en-GB" dirty="0"/>
-          </a:p>
-          <a:p>
-            <a:pPr marL="0" indent="0">
-              <a:buFont typeface="Arial" panose="020B0604020202020204" pitchFamily="34" charset="0"/>
-              <a:buNone/>
-            </a:pPr>
-            <a:r>
-              <a:rPr lang="en-GB" dirty="0"/>
-              <a:t>Another aim I had in this section was to show off the power of some of the ideas from stochastic calculus. You can see in the legend of the graph here I have an exact solution shown in blue and an approximation shown in orange. The exact solution was calculated by modelling the driver as a white noise signal. The orange curve was calculated using an approximate white noise signal which excites all frequencies over a finite range with a constant amount of energy. True white noise excites all frequencies from 0 to infinity with a constant amount of energy, this means it has a variance of infinity. The signal in the bottom right here is actually only approximately a white noise signal as it only excites frequencies over a finite range with a constant amount of energy. True white noise would have a variance of infinity.</a:t>
-            </a:r>
-          </a:p>
-          <a:p>
-            <a:pPr marL="0" indent="0">
-              <a:buFont typeface="Arial" panose="020B0604020202020204" pitchFamily="34" charset="0"/>
-              <a:buNone/>
-            </a:pPr>
-            <a:r>
-              <a:rPr lang="en-GB" dirty="0"/>
-              <a:t>Before I did these calculations I was a bit sceptical of the idea of using a white noise signal because it obviously isn’t physical to have a force with a variance of infinity. But it turns out that provided the approximate signal excites the resonant frequency then you get very good agreement between an approximate white noise signal and true white noise. In the middle row here I show the error between the exact and approximate signal and the steep drop in error occurs when the approximate solution includes the resonant frequency in it’s range of frequencies it excites. This shows that although true white noise isn’t physical it still serves as useful concept for making predictions.</a:t>
-            </a:r>
-          </a:p>
-          <a:p>
-            <a:pPr marL="0" indent="0">
-              <a:buFont typeface="Arial" panose="020B0604020202020204" pitchFamily="34" charset="0"/>
-              <a:buNone/>
-            </a:pPr>
-            <a:endParaRPr lang="en-GB" dirty="0"/>
-          </a:p>
-          <a:p>
-            <a:pPr marL="0" indent="0">
-              <a:buFont typeface="Arial" panose="020B0604020202020204" pitchFamily="34" charset="0"/>
-              <a:buNone/>
-            </a:pPr>
-            <a:r>
-              <a:rPr lang="en-GB" dirty="0"/>
-              <a:t>You can see in the thesis that it takes significantly less effort/algebra to calculate the solution when a true white noise driver is used compared with an approximate white noise driver.</a:t>
-            </a:r>
           </a:p>
         </p:txBody>
       </p:sp>
@@ -1449,7 +1400,7 @@
     </p:spTree>
     <p:extLst>
       <p:ext uri="{BB962C8B-B14F-4D97-AF65-F5344CB8AC3E}">
-        <p14:creationId xmlns:p14="http://schemas.microsoft.com/office/powerpoint/2010/main" val="1858462180"/>
+        <p14:creationId xmlns:p14="http://schemas.microsoft.com/office/powerpoint/2010/main" val="1594096182"/>
       </p:ext>
     </p:extLst>
   </p:cSld>
@@ -1509,15 +1460,68 @@
             </a:pPr>
             <a:r>
               <a:rPr lang="en-GB" dirty="0"/>
-              <a:t>My fourth aim in chapter 2 is to calculate an estimate for the reflection coefficient, R. This is important as to simulate the leakage I model that a fraction R of the waves reflects each time the waves hit each of the boundaries. To estimate the reflection coefficient I use a method to what Joe </a:t>
-            </a:r>
-            <a:r>
-              <a:rPr lang="en-GB" dirty="0" err="1"/>
-              <a:t>Hollweg</a:t>
-            </a:r>
+              <a:t>My third aim is to calculate the solution for the case where a broadband or noisy driver is used. Throughout this thesis I mainly use sinusoidal drivers but I thought it would be good to at least once consider the case where a noisy driver is used as this more closely resembles what the driver on the sun actually behaves like.</a:t>
+            </a:r>
+          </a:p>
+          <a:p>
+            <a:pPr marL="0" indent="0">
+              <a:buFont typeface="Arial" panose="020B0604020202020204" pitchFamily="34" charset="0"/>
+              <a:buNone/>
+            </a:pPr>
+            <a:endParaRPr lang="en-GB" dirty="0"/>
+          </a:p>
+          <a:p>
+            <a:pPr marL="0" indent="0">
+              <a:buFont typeface="Arial" panose="020B0604020202020204" pitchFamily="34" charset="0"/>
+              <a:buNone/>
+            </a:pPr>
             <a:r>
               <a:rPr lang="en-GB" dirty="0"/>
-              <a:t> uses in a in a paper he wrote in 1984.</a:t>
+              <a:t>I was also curious if the energy will grow to infinity or oscillate about a finite value. Before I did these calculations I actually had no idea what would happen because I knew from the sinusoidal solutions that the energy only grows to infinity if the resonant frequency is excited. It turns out that for a resonant loop the energy grows quadratically with time and for a noisy loop the variance (which you can think of as the energy) grows linearly with time. You can see this linear growth in the top row here.</a:t>
+            </a:r>
+          </a:p>
+          <a:p>
+            <a:pPr marL="0" indent="0">
+              <a:buFont typeface="Arial" panose="020B0604020202020204" pitchFamily="34" charset="0"/>
+              <a:buNone/>
+            </a:pPr>
+            <a:endParaRPr lang="en-GB" dirty="0"/>
+          </a:p>
+          <a:p>
+            <a:pPr marL="0" indent="0">
+              <a:buFont typeface="Arial" panose="020B0604020202020204" pitchFamily="34" charset="0"/>
+              <a:buNone/>
+            </a:pPr>
+            <a:r>
+              <a:rPr lang="en-GB" dirty="0"/>
+              <a:t>Another aim I had in this section was to show off the power of some of the ideas from stochastic calculus. You can see in the legend of the graph here I have an exact solution shown in blue and an approximation shown in orange. The exact solution was calculated by modelling the driver as a white noise signal. The orange curve was calculated using an approximate white noise signal which excites all frequencies over a finite range with a constant amount of energy. True white noise excites all frequencies from 0 to infinity with a constant amount of energy, this means it has a variance of infinity. The signal in the bottom right here is actually only approximately a white noise signal as it only excites frequencies over a finite range with a constant amount of energy. True white noise would have a variance of infinity.</a:t>
+            </a:r>
+          </a:p>
+          <a:p>
+            <a:pPr marL="0" indent="0">
+              <a:buFont typeface="Arial" panose="020B0604020202020204" pitchFamily="34" charset="0"/>
+              <a:buNone/>
+            </a:pPr>
+            <a:r>
+              <a:rPr lang="en-GB" dirty="0"/>
+              <a:t>Before I did these calculations I was a bit sceptical of the idea of using a white noise signal because it obviously isn’t physical to have a force with a variance of infinity. But it turns out that provided the approximate signal excites the resonant frequency then you get very good agreement between an approximate white noise signal and true white noise. In the middle row here I show the error between the exact and approximate signal and the steep drop in error occurs when the approximate solution includes the resonant frequency in it’s range of frequencies it excites. This shows that although true white noise isn’t physical it still serves as useful concept for making predictions.</a:t>
+            </a:r>
+          </a:p>
+          <a:p>
+            <a:pPr marL="0" indent="0">
+              <a:buFont typeface="Arial" panose="020B0604020202020204" pitchFamily="34" charset="0"/>
+              <a:buNone/>
+            </a:pPr>
+            <a:endParaRPr lang="en-GB" dirty="0"/>
+          </a:p>
+          <a:p>
+            <a:pPr marL="0" indent="0">
+              <a:buFont typeface="Arial" panose="020B0604020202020204" pitchFamily="34" charset="0"/>
+              <a:buNone/>
+            </a:pPr>
+            <a:r>
+              <a:rPr lang="en-GB" dirty="0"/>
+              <a:t>You can see in the thesis that it takes significantly less effort/algebra to calculate the solution when a true white noise driver is used compared with an approximate white noise driver.</a:t>
             </a:r>
           </a:p>
         </p:txBody>
@@ -1548,7 +1552,7 @@
     </p:spTree>
     <p:extLst>
       <p:ext uri="{BB962C8B-B14F-4D97-AF65-F5344CB8AC3E}">
-        <p14:creationId xmlns:p14="http://schemas.microsoft.com/office/powerpoint/2010/main" val="2328860605"/>
+        <p14:creationId xmlns:p14="http://schemas.microsoft.com/office/powerpoint/2010/main" val="1858462180"/>
       </p:ext>
     </p:extLst>
   </p:cSld>
@@ -1608,7 +1612,7 @@
             </a:pPr>
             <a:r>
               <a:rPr lang="en-GB" dirty="0"/>
-              <a:t>My final aim in chapter 2 is to calculate the steady-state solution for a sinusoidal driver in a leaky loop. </a:t>
+              <a:t>My third aim is to calculate the solution for the case where a broadband or noisy driver is used. Throughout this thesis I mainly use sinusoidal drivers but I thought it would be good to at least once consider the case where a noisy driver is used as this more closely resembles what the driver on the sun actually behaves like.</a:t>
             </a:r>
           </a:p>
           <a:p>
@@ -1625,7 +1629,7 @@
             </a:pPr>
             <a:r>
               <a:rPr lang="en-GB" dirty="0"/>
-              <a:t>One of the major aims here is to introduce the idea of a steady-state. In other words, that for a leaky loop or resistive loop the system will go through a transient phase where the system can oscillate at different frequencies to the driver frequency but at steady-state the whole system oscillates at the driver frequency.</a:t>
+              <a:t>I basically had two aims in this section.</a:t>
             </a:r>
           </a:p>
           <a:p>
@@ -1642,7 +1646,32 @@
             </a:pPr>
             <a:r>
               <a:rPr lang="en-GB" dirty="0"/>
-              <a:t>Another aim is to convince the reader that to introduce leakage you simply need to modify the formula a little bit by introducing an R to the k factor which is shown in red here. I do this by calculating both a numeric and analytic solution and checking they agree. Confirming this formula is accurate is useful in Chapter 3 when we look at resistive phase mixed Alfven waves in a leaky loop.</a:t>
+              <a:t>The first was to see if the energy will grow to infinity or oscillate about a finite value. As I thought this was an interesting question to answer and until I did the calculation I actually had no idea if it would grow to infinity or not. You can see here that the variance which, you can think of the energy grows linearly with time. I think its interesting that for a randomly driven loop the energy grows approximately linearly with time but for a resonant loop the energy grows quadratically with time.</a:t>
+            </a:r>
+          </a:p>
+          <a:p>
+            <a:pPr marL="0" indent="0">
+              <a:buFont typeface="Arial" panose="020B0604020202020204" pitchFamily="34" charset="0"/>
+              <a:buNone/>
+            </a:pPr>
+            <a:endParaRPr lang="en-GB" dirty="0"/>
+          </a:p>
+          <a:p>
+            <a:pPr marL="0" indent="0">
+              <a:buFont typeface="Arial" panose="020B0604020202020204" pitchFamily="34" charset="0"/>
+              <a:buNone/>
+            </a:pPr>
+            <a:r>
+              <a:rPr lang="en-GB" dirty="0"/>
+              <a:t>The second aim was to check that a true white noise driver which excites all frequencies with a given amount of energy gives the same results as an approximate white noise signal which only excites the frequencies over a finite range. It turns out that provided the resonant frequency is excited then the true white noise signal and approximate white noise signal give approximately the same answer. The reason I wanted to check this is that a true white noise signal isn’t actually physical because it has a variance of infinity whereas an approximate white noise </a:t>
+            </a:r>
+            <a:r>
+              <a:rPr lang="en-GB" dirty="0" err="1"/>
+              <a:t>singal</a:t>
+            </a:r>
+            <a:r>
+              <a:rPr lang="en-GB" dirty="0"/>
+              <a:t> has a finite variance so is physical. So its reassuring to know that although true white noise isn’t physical it is still a useful tool for making predictions.</a:t>
             </a:r>
           </a:p>
         </p:txBody>
@@ -1673,7 +1702,7 @@
     </p:spTree>
     <p:extLst>
       <p:ext uri="{BB962C8B-B14F-4D97-AF65-F5344CB8AC3E}">
-        <p14:creationId xmlns:p14="http://schemas.microsoft.com/office/powerpoint/2010/main" val="2329463713"/>
+        <p14:creationId xmlns:p14="http://schemas.microsoft.com/office/powerpoint/2010/main" val="4091888706"/>
       </p:ext>
     </p:extLst>
   </p:cSld>
@@ -1733,7 +1762,15 @@
             </a:pPr>
             <a:r>
               <a:rPr lang="en-GB" dirty="0"/>
-              <a:t>My final aim in chapter 2 is to introduce phase mixing. I do this by calculating the solution </a:t>
+              <a:t>My fourth aim in chapter 2 is to calculate an estimate for the reflection coefficient, R. This is important as to simulate the leakage I model that a fraction R of the waves reflects each time the waves hit each of the boundaries. To estimate the reflection coefficient I use a method which is similar to what Joe </a:t>
+            </a:r>
+            <a:r>
+              <a:rPr lang="en-GB" dirty="0" err="1"/>
+              <a:t>Hollweg</a:t>
+            </a:r>
+            <a:r>
+              <a:rPr lang="en-GB" dirty="0"/>
+              <a:t> uses in a in a paper he wrote in 1984.</a:t>
             </a:r>
           </a:p>
         </p:txBody>
@@ -1764,7 +1801,7 @@
     </p:spTree>
     <p:extLst>
       <p:ext uri="{BB962C8B-B14F-4D97-AF65-F5344CB8AC3E}">
-        <p14:creationId xmlns:p14="http://schemas.microsoft.com/office/powerpoint/2010/main" val="1736508601"/>
+        <p14:creationId xmlns:p14="http://schemas.microsoft.com/office/powerpoint/2010/main" val="2328860605"/>
       </p:ext>
     </p:extLst>
   </p:cSld>
@@ -1818,18 +1855,47 @@
           <a:bodyPr/>
           <a:lstStyle/>
           <a:p>
+            <a:pPr marL="0" indent="0">
+              <a:buFont typeface="Arial" panose="020B0604020202020204" pitchFamily="34" charset="0"/>
+              <a:buNone/>
+            </a:pPr>
             <a:r>
               <a:rPr lang="en-GB" dirty="0"/>
-              <a:t>So that’s all I’m going to say about chapter 2.</a:t>
-            </a:r>
-          </a:p>
-          <a:p>
+              <a:t>My final aim in chapter 2 is to calculate the steady-state solution for a sinusoidal driver in a leaky loop. </a:t>
+            </a:r>
+          </a:p>
+          <a:p>
+            <a:pPr marL="0" indent="0">
+              <a:buFont typeface="Arial" panose="020B0604020202020204" pitchFamily="34" charset="0"/>
+              <a:buNone/>
+            </a:pPr>
             <a:endParaRPr lang="en-GB" dirty="0"/>
           </a:p>
           <a:p>
+            <a:pPr marL="0" indent="0">
+              <a:buFont typeface="Arial" panose="020B0604020202020204" pitchFamily="34" charset="0"/>
+              <a:buNone/>
+            </a:pPr>
             <a:r>
               <a:rPr lang="en-GB" dirty="0"/>
-              <a:t>Chapter 3 is closely related to a paper I published in 2019. The main goal of this chapter is to rule out phase mixing as a potential heating mechanism. I still think its possible that phase mixing could play an indirect role in coronal heating. For example, it could trigger the Kelvin-Helmholtz instability which then causes energy to be dissipated due to gradients parallel to the velocity and magnetic field.</a:t>
+              <a:t>One of the major aims here is to introduce the idea of a steady-state. In other words, that for a leaky loop or resistive loop the system will go through a transient phase where the system can oscillate at different frequencies to the driver frequency but at steady-state the whole system oscillates at the driver frequency.</a:t>
+            </a:r>
+          </a:p>
+          <a:p>
+            <a:pPr marL="0" indent="0">
+              <a:buFont typeface="Arial" panose="020B0604020202020204" pitchFamily="34" charset="0"/>
+              <a:buNone/>
+            </a:pPr>
+            <a:endParaRPr lang="en-GB" dirty="0"/>
+          </a:p>
+          <a:p>
+            <a:pPr marL="0" indent="0">
+              <a:buFont typeface="Arial" panose="020B0604020202020204" pitchFamily="34" charset="0"/>
+              <a:buNone/>
+            </a:pPr>
+            <a:r>
+              <a:rPr lang="en-GB" dirty="0"/>
+              <a:t>Another aim is to convince the reader that to introduce leakage you simply need to modify the formula a little bit by introducing an R to the k factor which is shown in red here. I do this by calculating both a numeric and analytic solution and checking they agree. Confirming this formula is accurate is useful in Chapter 3 when we look at resistive phase mixed Alfven waves in a leaky loop.</a:t>
             </a:r>
           </a:p>
         </p:txBody>
@@ -1860,7 +1926,7 @@
     </p:spTree>
     <p:extLst>
       <p:ext uri="{BB962C8B-B14F-4D97-AF65-F5344CB8AC3E}">
-        <p14:creationId xmlns:p14="http://schemas.microsoft.com/office/powerpoint/2010/main" val="3861902221"/>
+        <p14:creationId xmlns:p14="http://schemas.microsoft.com/office/powerpoint/2010/main" val="2329463713"/>
       </p:ext>
     </p:extLst>
   </p:cSld>
@@ -2024,7 +2090,14 @@
           <a:bodyPr/>
           <a:lstStyle/>
           <a:p>
-            <a:endParaRPr lang="en-GB" dirty="0"/>
+            <a:pPr marL="0" indent="0">
+              <a:buFont typeface="Arial" panose="020B0604020202020204" pitchFamily="34" charset="0"/>
+              <a:buNone/>
+            </a:pPr>
+            <a:r>
+              <a:rPr lang="en-GB" dirty="0"/>
+              <a:t>My final aim in chapter 2 is to introduce phase mixing. I do this by calculating the solution </a:t>
+            </a:r>
           </a:p>
         </p:txBody>
       </p:sp>
@@ -2046,6 +2119,799 @@
             <a:fld id="{FF8E2075-CA56-421E-B5CA-3A21695CDA2C}" type="slidenum">
               <a:rPr lang="en-GB" smtClean="0"/>
               <a:t>20</a:t>
+            </a:fld>
+            <a:endParaRPr lang="en-GB"/>
+          </a:p>
+        </p:txBody>
+      </p:sp>
+    </p:spTree>
+    <p:extLst>
+      <p:ext uri="{BB962C8B-B14F-4D97-AF65-F5344CB8AC3E}">
+        <p14:creationId xmlns:p14="http://schemas.microsoft.com/office/powerpoint/2010/main" val="1736508601"/>
+      </p:ext>
+    </p:extLst>
+  </p:cSld>
+  <p:clrMapOvr>
+    <a:masterClrMapping/>
+  </p:clrMapOvr>
+</p:notes>
+</file>
+
+<file path=ppt/notesSlides/notesSlide21.xml><?xml version="1.0" encoding="utf-8"?>
+<p:notes xmlns:a="http://schemas.openxmlformats.org/drawingml/2006/main" xmlns:r="http://schemas.openxmlformats.org/officeDocument/2006/relationships" xmlns:p="http://schemas.openxmlformats.org/presentationml/2006/main">
+  <p:cSld>
+    <p:spTree>
+      <p:nvGrpSpPr>
+        <p:cNvPr id="1" name=""/>
+        <p:cNvGrpSpPr/>
+        <p:nvPr/>
+      </p:nvGrpSpPr>
+      <p:grpSpPr>
+        <a:xfrm>
+          <a:off x="0" y="0"/>
+          <a:ext cx="0" cy="0"/>
+          <a:chOff x="0" y="0"/>
+          <a:chExt cx="0" cy="0"/>
+        </a:xfrm>
+      </p:grpSpPr>
+      <p:sp>
+        <p:nvSpPr>
+          <p:cNvPr id="2" name="Slide Image Placeholder 1"/>
+          <p:cNvSpPr>
+            <a:spLocks noGrp="1" noRot="1" noChangeAspect="1"/>
+          </p:cNvSpPr>
+          <p:nvPr>
+            <p:ph type="sldImg"/>
+          </p:nvPr>
+        </p:nvSpPr>
+        <p:spPr/>
+      </p:sp>
+      <p:sp>
+        <p:nvSpPr>
+          <p:cNvPr id="3" name="Notes Placeholder 2"/>
+          <p:cNvSpPr>
+            <a:spLocks noGrp="1"/>
+          </p:cNvSpPr>
+          <p:nvPr>
+            <p:ph type="body" idx="1"/>
+          </p:nvPr>
+        </p:nvSpPr>
+        <p:spPr/>
+        <p:txBody>
+          <a:bodyPr/>
+          <a:lstStyle/>
+          <a:p>
+            <a:r>
+              <a:rPr lang="en-GB" dirty="0"/>
+              <a:t>So that’s all I’m going to say about chapter 2.</a:t>
+            </a:r>
+          </a:p>
+          <a:p>
+            <a:endParaRPr lang="en-GB" dirty="0"/>
+          </a:p>
+          <a:p>
+            <a:r>
+              <a:rPr lang="en-GB" dirty="0"/>
+              <a:t>Chapter 3 is closely related to a paper I published in 2019. The main goal of this chapter is to rule out phase mixing as a potential heating mechanism in the closed corona. I still think its possible that phase mixing could play an indirect role in coronal heating. For example, it could trigger the Kelvin-Helmholtz instability which then causes energy to be dissipated due to gradients parallel to the velocity and magnetic field. But I don’t think the direct dissipation of the transverse gradients produced by phase mixing plays a significant role in coronal heating.</a:t>
+            </a:r>
+          </a:p>
+          <a:p>
+            <a:endParaRPr lang="en-GB" dirty="0"/>
+          </a:p>
+          <a:p>
+            <a:r>
+              <a:rPr lang="en-GB" dirty="0"/>
+              <a:t>I structure this chapter by starting simple with an open loop. Then I keep adding complexity to the model in each subsequent section.</a:t>
+            </a:r>
+          </a:p>
+        </p:txBody>
+      </p:sp>
+      <p:sp>
+        <p:nvSpPr>
+          <p:cNvPr id="4" name="Slide Number Placeholder 3"/>
+          <p:cNvSpPr>
+            <a:spLocks noGrp="1"/>
+          </p:cNvSpPr>
+          <p:nvPr>
+            <p:ph type="sldNum" sz="quarter" idx="5"/>
+          </p:nvPr>
+        </p:nvSpPr>
+        <p:spPr/>
+        <p:txBody>
+          <a:bodyPr/>
+          <a:lstStyle/>
+          <a:p>
+            <a:fld id="{FF8E2075-CA56-421E-B5CA-3A21695CDA2C}" type="slidenum">
+              <a:rPr lang="en-GB" smtClean="0"/>
+              <a:t>21</a:t>
+            </a:fld>
+            <a:endParaRPr lang="en-GB"/>
+          </a:p>
+        </p:txBody>
+      </p:sp>
+    </p:spTree>
+    <p:extLst>
+      <p:ext uri="{BB962C8B-B14F-4D97-AF65-F5344CB8AC3E}">
+        <p14:creationId xmlns:p14="http://schemas.microsoft.com/office/powerpoint/2010/main" val="3861902221"/>
+      </p:ext>
+    </p:extLst>
+  </p:cSld>
+  <p:clrMapOvr>
+    <a:masterClrMapping/>
+  </p:clrMapOvr>
+</p:notes>
+</file>
+
+<file path=ppt/notesSlides/notesSlide22.xml><?xml version="1.0" encoding="utf-8"?>
+<p:notes xmlns:a="http://schemas.openxmlformats.org/drawingml/2006/main" xmlns:r="http://schemas.openxmlformats.org/officeDocument/2006/relationships" xmlns:p="http://schemas.openxmlformats.org/presentationml/2006/main">
+  <p:cSld>
+    <p:spTree>
+      <p:nvGrpSpPr>
+        <p:cNvPr id="1" name=""/>
+        <p:cNvGrpSpPr/>
+        <p:nvPr/>
+      </p:nvGrpSpPr>
+      <p:grpSpPr>
+        <a:xfrm>
+          <a:off x="0" y="0"/>
+          <a:ext cx="0" cy="0"/>
+          <a:chOff x="0" y="0"/>
+          <a:chExt cx="0" cy="0"/>
+        </a:xfrm>
+      </p:grpSpPr>
+      <p:sp>
+        <p:nvSpPr>
+          <p:cNvPr id="2" name="Slide Image Placeholder 1"/>
+          <p:cNvSpPr>
+            <a:spLocks noGrp="1" noRot="1" noChangeAspect="1"/>
+          </p:cNvSpPr>
+          <p:nvPr>
+            <p:ph type="sldImg"/>
+          </p:nvPr>
+        </p:nvSpPr>
+        <p:spPr/>
+      </p:sp>
+      <p:sp>
+        <p:nvSpPr>
+          <p:cNvPr id="3" name="Notes Placeholder 2"/>
+          <p:cNvSpPr>
+            <a:spLocks noGrp="1"/>
+          </p:cNvSpPr>
+          <p:nvPr>
+            <p:ph type="body" idx="1"/>
+          </p:nvPr>
+        </p:nvSpPr>
+        <p:spPr/>
+        <p:txBody>
+          <a:bodyPr/>
+          <a:lstStyle/>
+          <a:p>
+            <a:r>
+              <a:rPr lang="en-GB" dirty="0"/>
+              <a:t>I start this chapter by introducing something I call the heating rate per unit of wave energy which I denote with gamma.</a:t>
+            </a:r>
+          </a:p>
+          <a:p>
+            <a:endParaRPr lang="en-GB" dirty="0"/>
+          </a:p>
+          <a:p>
+            <a:r>
+              <a:rPr lang="en-GB" dirty="0"/>
+              <a:t>I then estimate that we need a gamma of about 10^-1 s-^-1  for something to be a viable coronal heating mechanism. This comes from estimating the heating rate required per unit volume in the corona and dividing by observed wave energy density in the corona.</a:t>
+            </a:r>
+          </a:p>
+          <a:p>
+            <a:endParaRPr lang="en-GB" dirty="0"/>
+          </a:p>
+          <a:p>
+            <a:r>
+              <a:rPr lang="en-GB" dirty="0"/>
+              <a:t>In this chapter I try to show that phase mixing cannot give a high enough gamma and therefore cannot explain coronal heating on its own.</a:t>
+            </a:r>
+          </a:p>
+        </p:txBody>
+      </p:sp>
+      <p:sp>
+        <p:nvSpPr>
+          <p:cNvPr id="4" name="Slide Number Placeholder 3"/>
+          <p:cNvSpPr>
+            <a:spLocks noGrp="1"/>
+          </p:cNvSpPr>
+          <p:nvPr>
+            <p:ph type="sldNum" sz="quarter" idx="5"/>
+          </p:nvPr>
+        </p:nvSpPr>
+        <p:spPr/>
+        <p:txBody>
+          <a:bodyPr/>
+          <a:lstStyle/>
+          <a:p>
+            <a:fld id="{FF8E2075-CA56-421E-B5CA-3A21695CDA2C}" type="slidenum">
+              <a:rPr lang="en-GB" smtClean="0"/>
+              <a:t>22</a:t>
+            </a:fld>
+            <a:endParaRPr lang="en-GB"/>
+          </a:p>
+        </p:txBody>
+      </p:sp>
+    </p:spTree>
+    <p:extLst>
+      <p:ext uri="{BB962C8B-B14F-4D97-AF65-F5344CB8AC3E}">
+        <p14:creationId xmlns:p14="http://schemas.microsoft.com/office/powerpoint/2010/main" val="1735994273"/>
+      </p:ext>
+    </p:extLst>
+  </p:cSld>
+  <p:clrMapOvr>
+    <a:masterClrMapping/>
+  </p:clrMapOvr>
+</p:notes>
+</file>
+
+<file path=ppt/notesSlides/notesSlide23.xml><?xml version="1.0" encoding="utf-8"?>
+<p:notes xmlns:a="http://schemas.openxmlformats.org/drawingml/2006/main" xmlns:r="http://schemas.openxmlformats.org/officeDocument/2006/relationships" xmlns:p="http://schemas.openxmlformats.org/presentationml/2006/main">
+  <p:cSld>
+    <p:spTree>
+      <p:nvGrpSpPr>
+        <p:cNvPr id="1" name=""/>
+        <p:cNvGrpSpPr/>
+        <p:nvPr/>
+      </p:nvGrpSpPr>
+      <p:grpSpPr>
+        <a:xfrm>
+          <a:off x="0" y="0"/>
+          <a:ext cx="0" cy="0"/>
+          <a:chOff x="0" y="0"/>
+          <a:chExt cx="0" cy="0"/>
+        </a:xfrm>
+      </p:grpSpPr>
+      <p:sp>
+        <p:nvSpPr>
+          <p:cNvPr id="2" name="Slide Image Placeholder 1"/>
+          <p:cNvSpPr>
+            <a:spLocks noGrp="1" noRot="1" noChangeAspect="1"/>
+          </p:cNvSpPr>
+          <p:nvPr>
+            <p:ph type="sldImg"/>
+          </p:nvPr>
+        </p:nvSpPr>
+        <p:spPr/>
+      </p:sp>
+      <p:sp>
+        <p:nvSpPr>
+          <p:cNvPr id="3" name="Notes Placeholder 2"/>
+          <p:cNvSpPr>
+            <a:spLocks noGrp="1"/>
+          </p:cNvSpPr>
+          <p:nvPr>
+            <p:ph type="body" idx="1"/>
+          </p:nvPr>
+        </p:nvSpPr>
+        <p:spPr/>
+        <p:txBody>
+          <a:bodyPr/>
+          <a:lstStyle/>
+          <a:p>
+            <a:r>
+              <a:rPr lang="en-GB" dirty="0"/>
+              <a:t>In the next section my goal is to introduce phase mixing. To do this I rederive the formulas that were derived in </a:t>
+            </a:r>
+            <a:r>
+              <a:rPr lang="en-GB" dirty="0" err="1"/>
+              <a:t>Heyvearts</a:t>
+            </a:r>
+            <a:r>
+              <a:rPr lang="en-GB" dirty="0"/>
+              <a:t> and Priest (1983). I then confirm that the analytic approximation agrees with the numerical solution.</a:t>
+            </a:r>
+          </a:p>
+        </p:txBody>
+      </p:sp>
+      <p:sp>
+        <p:nvSpPr>
+          <p:cNvPr id="4" name="Slide Number Placeholder 3"/>
+          <p:cNvSpPr>
+            <a:spLocks noGrp="1"/>
+          </p:cNvSpPr>
+          <p:nvPr>
+            <p:ph type="sldNum" sz="quarter" idx="5"/>
+          </p:nvPr>
+        </p:nvSpPr>
+        <p:spPr/>
+        <p:txBody>
+          <a:bodyPr/>
+          <a:lstStyle/>
+          <a:p>
+            <a:fld id="{FF8E2075-CA56-421E-B5CA-3A21695CDA2C}" type="slidenum">
+              <a:rPr lang="en-GB" smtClean="0"/>
+              <a:t>23</a:t>
+            </a:fld>
+            <a:endParaRPr lang="en-GB"/>
+          </a:p>
+        </p:txBody>
+      </p:sp>
+    </p:spTree>
+    <p:extLst>
+      <p:ext uri="{BB962C8B-B14F-4D97-AF65-F5344CB8AC3E}">
+        <p14:creationId xmlns:p14="http://schemas.microsoft.com/office/powerpoint/2010/main" val="2964955437"/>
+      </p:ext>
+    </p:extLst>
+  </p:cSld>
+  <p:clrMapOvr>
+    <a:masterClrMapping/>
+  </p:clrMapOvr>
+</p:notes>
+</file>
+
+<file path=ppt/notesSlides/notesSlide24.xml><?xml version="1.0" encoding="utf-8"?>
+<p:notes xmlns:a="http://schemas.openxmlformats.org/drawingml/2006/main" xmlns:r="http://schemas.openxmlformats.org/officeDocument/2006/relationships" xmlns:p="http://schemas.openxmlformats.org/presentationml/2006/main">
+  <p:cSld>
+    <p:spTree>
+      <p:nvGrpSpPr>
+        <p:cNvPr id="1" name=""/>
+        <p:cNvGrpSpPr/>
+        <p:nvPr/>
+      </p:nvGrpSpPr>
+      <p:grpSpPr>
+        <a:xfrm>
+          <a:off x="0" y="0"/>
+          <a:ext cx="0" cy="0"/>
+          <a:chOff x="0" y="0"/>
+          <a:chExt cx="0" cy="0"/>
+        </a:xfrm>
+      </p:grpSpPr>
+      <p:sp>
+        <p:nvSpPr>
+          <p:cNvPr id="2" name="Slide Image Placeholder 1"/>
+          <p:cNvSpPr>
+            <a:spLocks noGrp="1" noRot="1" noChangeAspect="1"/>
+          </p:cNvSpPr>
+          <p:nvPr>
+            <p:ph type="sldImg"/>
+          </p:nvPr>
+        </p:nvSpPr>
+        <p:spPr/>
+      </p:sp>
+      <p:sp>
+        <p:nvSpPr>
+          <p:cNvPr id="3" name="Notes Placeholder 2"/>
+          <p:cNvSpPr>
+            <a:spLocks noGrp="1"/>
+          </p:cNvSpPr>
+          <p:nvPr>
+            <p:ph type="body" idx="1"/>
+          </p:nvPr>
+        </p:nvSpPr>
+        <p:spPr/>
+        <p:txBody>
+          <a:bodyPr/>
+          <a:lstStyle/>
+          <a:p>
+            <a:r>
+              <a:rPr lang="en-GB" dirty="0"/>
+              <a:t>In this next section my goal was to extend the open loop solution to work for closed loop. I did this by combining the </a:t>
+            </a:r>
+            <a:r>
+              <a:rPr lang="en-GB" dirty="0" err="1"/>
+              <a:t>Heyvearts</a:t>
+            </a:r>
+            <a:r>
+              <a:rPr lang="en-GB" dirty="0"/>
+              <a:t> and Priest (1983) solution with the d’Alembert solution I derived in the previous chapter. I then confirmed it was accurate by calculating the solution numerically.</a:t>
+            </a:r>
+          </a:p>
+        </p:txBody>
+      </p:sp>
+      <p:sp>
+        <p:nvSpPr>
+          <p:cNvPr id="4" name="Slide Number Placeholder 3"/>
+          <p:cNvSpPr>
+            <a:spLocks noGrp="1"/>
+          </p:cNvSpPr>
+          <p:nvPr>
+            <p:ph type="sldNum" sz="quarter" idx="5"/>
+          </p:nvPr>
+        </p:nvSpPr>
+        <p:spPr/>
+        <p:txBody>
+          <a:bodyPr/>
+          <a:lstStyle/>
+          <a:p>
+            <a:fld id="{FF8E2075-CA56-421E-B5CA-3A21695CDA2C}" type="slidenum">
+              <a:rPr lang="en-GB" smtClean="0"/>
+              <a:t>24</a:t>
+            </a:fld>
+            <a:endParaRPr lang="en-GB"/>
+          </a:p>
+        </p:txBody>
+      </p:sp>
+    </p:spTree>
+    <p:extLst>
+      <p:ext uri="{BB962C8B-B14F-4D97-AF65-F5344CB8AC3E}">
+        <p14:creationId xmlns:p14="http://schemas.microsoft.com/office/powerpoint/2010/main" val="2841482847"/>
+      </p:ext>
+    </p:extLst>
+  </p:cSld>
+  <p:clrMapOvr>
+    <a:masterClrMapping/>
+  </p:clrMapOvr>
+</p:notes>
+</file>
+
+<file path=ppt/notesSlides/notesSlide25.xml><?xml version="1.0" encoding="utf-8"?>
+<p:notes xmlns:a="http://schemas.openxmlformats.org/drawingml/2006/main" xmlns:r="http://schemas.openxmlformats.org/officeDocument/2006/relationships" xmlns:p="http://schemas.openxmlformats.org/presentationml/2006/main">
+  <p:cSld>
+    <p:spTree>
+      <p:nvGrpSpPr>
+        <p:cNvPr id="1" name=""/>
+        <p:cNvGrpSpPr/>
+        <p:nvPr/>
+      </p:nvGrpSpPr>
+      <p:grpSpPr>
+        <a:xfrm>
+          <a:off x="0" y="0"/>
+          <a:ext cx="0" cy="0"/>
+          <a:chOff x="0" y="0"/>
+          <a:chExt cx="0" cy="0"/>
+        </a:xfrm>
+      </p:grpSpPr>
+      <p:sp>
+        <p:nvSpPr>
+          <p:cNvPr id="2" name="Slide Image Placeholder 1"/>
+          <p:cNvSpPr>
+            <a:spLocks noGrp="1" noRot="1" noChangeAspect="1"/>
+          </p:cNvSpPr>
+          <p:nvPr>
+            <p:ph type="sldImg"/>
+          </p:nvPr>
+        </p:nvSpPr>
+        <p:spPr/>
+      </p:sp>
+      <p:sp>
+        <p:nvSpPr>
+          <p:cNvPr id="3" name="Notes Placeholder 2"/>
+          <p:cNvSpPr>
+            <a:spLocks noGrp="1"/>
+          </p:cNvSpPr>
+          <p:nvPr>
+            <p:ph type="body" idx="1"/>
+          </p:nvPr>
+        </p:nvSpPr>
+        <p:spPr/>
+        <p:txBody>
+          <a:bodyPr/>
+          <a:lstStyle/>
+          <a:p>
+            <a:pPr marL="0" marR="0" lvl="0" indent="0" algn="l" defTabSz="914400" rtl="0" eaLnBrk="1" fontAlgn="auto" latinLnBrk="0" hangingPunct="1">
+              <a:lnSpc>
+                <a:spcPct val="100000"/>
+              </a:lnSpc>
+              <a:spcBef>
+                <a:spcPts val="0"/>
+              </a:spcBef>
+              <a:spcAft>
+                <a:spcPts val="0"/>
+              </a:spcAft>
+              <a:buClrTx/>
+              <a:buSzTx/>
+              <a:buFontTx/>
+              <a:buNone/>
+              <a:tabLst/>
+              <a:defRPr/>
+            </a:pPr>
+            <a:r>
+              <a:rPr lang="en-GB" dirty="0"/>
+              <a:t>In this next section I increase the complexity of the model by considering the case where multiple harmonics are excited. I look at how the heating rate per unit of wave energy changes depending on how many harmonics I excite and the slope of the of the power spectrum.</a:t>
+            </a:r>
+          </a:p>
+        </p:txBody>
+      </p:sp>
+      <p:sp>
+        <p:nvSpPr>
+          <p:cNvPr id="4" name="Slide Number Placeholder 3"/>
+          <p:cNvSpPr>
+            <a:spLocks noGrp="1"/>
+          </p:cNvSpPr>
+          <p:nvPr>
+            <p:ph type="sldNum" sz="quarter" idx="5"/>
+          </p:nvPr>
+        </p:nvSpPr>
+        <p:spPr/>
+        <p:txBody>
+          <a:bodyPr/>
+          <a:lstStyle/>
+          <a:p>
+            <a:fld id="{FF8E2075-CA56-421E-B5CA-3A21695CDA2C}" type="slidenum">
+              <a:rPr lang="en-GB" smtClean="0"/>
+              <a:t>25</a:t>
+            </a:fld>
+            <a:endParaRPr lang="en-GB"/>
+          </a:p>
+        </p:txBody>
+      </p:sp>
+    </p:spTree>
+    <p:extLst>
+      <p:ext uri="{BB962C8B-B14F-4D97-AF65-F5344CB8AC3E}">
+        <p14:creationId xmlns:p14="http://schemas.microsoft.com/office/powerpoint/2010/main" val="3819181254"/>
+      </p:ext>
+    </p:extLst>
+  </p:cSld>
+  <p:clrMapOvr>
+    <a:masterClrMapping/>
+  </p:clrMapOvr>
+</p:notes>
+</file>
+
+<file path=ppt/notesSlides/notesSlide26.xml><?xml version="1.0" encoding="utf-8"?>
+<p:notes xmlns:a="http://schemas.openxmlformats.org/drawingml/2006/main" xmlns:r="http://schemas.openxmlformats.org/officeDocument/2006/relationships" xmlns:p="http://schemas.openxmlformats.org/presentationml/2006/main">
+  <p:cSld>
+    <p:spTree>
+      <p:nvGrpSpPr>
+        <p:cNvPr id="1" name=""/>
+        <p:cNvGrpSpPr/>
+        <p:nvPr/>
+      </p:nvGrpSpPr>
+      <p:grpSpPr>
+        <a:xfrm>
+          <a:off x="0" y="0"/>
+          <a:ext cx="0" cy="0"/>
+          <a:chOff x="0" y="0"/>
+          <a:chExt cx="0" cy="0"/>
+        </a:xfrm>
+      </p:grpSpPr>
+      <p:sp>
+        <p:nvSpPr>
+          <p:cNvPr id="2" name="Slide Image Placeholder 1"/>
+          <p:cNvSpPr>
+            <a:spLocks noGrp="1" noRot="1" noChangeAspect="1"/>
+          </p:cNvSpPr>
+          <p:nvPr>
+            <p:ph type="sldImg"/>
+          </p:nvPr>
+        </p:nvSpPr>
+        <p:spPr/>
+      </p:sp>
+      <p:sp>
+        <p:nvSpPr>
+          <p:cNvPr id="3" name="Notes Placeholder 2"/>
+          <p:cNvSpPr>
+            <a:spLocks noGrp="1"/>
+          </p:cNvSpPr>
+          <p:nvPr>
+            <p:ph type="body" idx="1"/>
+          </p:nvPr>
+        </p:nvSpPr>
+        <p:spPr/>
+        <p:txBody>
+          <a:bodyPr/>
+          <a:lstStyle/>
+          <a:p>
+            <a:pPr marL="0" marR="0" lvl="0" indent="0" algn="l" defTabSz="914400" rtl="0" eaLnBrk="1" fontAlgn="auto" latinLnBrk="0" hangingPunct="1">
+              <a:lnSpc>
+                <a:spcPct val="100000"/>
+              </a:lnSpc>
+              <a:spcBef>
+                <a:spcPts val="0"/>
+              </a:spcBef>
+              <a:spcAft>
+                <a:spcPts val="0"/>
+              </a:spcAft>
+              <a:buClrTx/>
+              <a:buSzTx/>
+              <a:buFontTx/>
+              <a:buNone/>
+              <a:tabLst/>
+              <a:defRPr/>
+            </a:pPr>
+            <a:r>
+              <a:rPr lang="en-GB" dirty="0"/>
+              <a:t>In this next section I increase the complexity of the model by considering the case where multiple harmonics are excited. I look at how the heating rate per unit of wave energy changes depending on how many harmonics I excite and the slope of the of the power spectrum.</a:t>
+            </a:r>
+          </a:p>
+        </p:txBody>
+      </p:sp>
+      <p:sp>
+        <p:nvSpPr>
+          <p:cNvPr id="4" name="Slide Number Placeholder 3"/>
+          <p:cNvSpPr>
+            <a:spLocks noGrp="1"/>
+          </p:cNvSpPr>
+          <p:nvPr>
+            <p:ph type="sldNum" sz="quarter" idx="5"/>
+          </p:nvPr>
+        </p:nvSpPr>
+        <p:spPr/>
+        <p:txBody>
+          <a:bodyPr/>
+          <a:lstStyle/>
+          <a:p>
+            <a:fld id="{FF8E2075-CA56-421E-B5CA-3A21695CDA2C}" type="slidenum">
+              <a:rPr lang="en-GB" smtClean="0"/>
+              <a:t>26</a:t>
+            </a:fld>
+            <a:endParaRPr lang="en-GB"/>
+          </a:p>
+        </p:txBody>
+      </p:sp>
+    </p:spTree>
+    <p:extLst>
+      <p:ext uri="{BB962C8B-B14F-4D97-AF65-F5344CB8AC3E}">
+        <p14:creationId xmlns:p14="http://schemas.microsoft.com/office/powerpoint/2010/main" val="3665120516"/>
+      </p:ext>
+    </p:extLst>
+  </p:cSld>
+  <p:clrMapOvr>
+    <a:masterClrMapping/>
+  </p:clrMapOvr>
+</p:notes>
+</file>
+
+<file path=ppt/notesSlides/notesSlide27.xml><?xml version="1.0" encoding="utf-8"?>
+<p:notes xmlns:a="http://schemas.openxmlformats.org/drawingml/2006/main" xmlns:r="http://schemas.openxmlformats.org/officeDocument/2006/relationships" xmlns:p="http://schemas.openxmlformats.org/presentationml/2006/main">
+  <p:cSld>
+    <p:spTree>
+      <p:nvGrpSpPr>
+        <p:cNvPr id="1" name=""/>
+        <p:cNvGrpSpPr/>
+        <p:nvPr/>
+      </p:nvGrpSpPr>
+      <p:grpSpPr>
+        <a:xfrm>
+          <a:off x="0" y="0"/>
+          <a:ext cx="0" cy="0"/>
+          <a:chOff x="0" y="0"/>
+          <a:chExt cx="0" cy="0"/>
+        </a:xfrm>
+      </p:grpSpPr>
+      <p:sp>
+        <p:nvSpPr>
+          <p:cNvPr id="2" name="Slide Image Placeholder 1"/>
+          <p:cNvSpPr>
+            <a:spLocks noGrp="1" noRot="1" noChangeAspect="1"/>
+          </p:cNvSpPr>
+          <p:nvPr>
+            <p:ph type="sldImg"/>
+          </p:nvPr>
+        </p:nvSpPr>
+        <p:spPr/>
+      </p:sp>
+      <p:sp>
+        <p:nvSpPr>
+          <p:cNvPr id="3" name="Notes Placeholder 2"/>
+          <p:cNvSpPr>
+            <a:spLocks noGrp="1"/>
+          </p:cNvSpPr>
+          <p:nvPr>
+            <p:ph type="body" idx="1"/>
+          </p:nvPr>
+        </p:nvSpPr>
+        <p:spPr/>
+        <p:txBody>
+          <a:bodyPr/>
+          <a:lstStyle/>
+          <a:p>
+            <a:pPr marL="0" marR="0" lvl="0" indent="0" algn="l" defTabSz="914400" rtl="0" eaLnBrk="1" fontAlgn="auto" latinLnBrk="0" hangingPunct="1">
+              <a:lnSpc>
+                <a:spcPct val="100000"/>
+              </a:lnSpc>
+              <a:spcBef>
+                <a:spcPts val="0"/>
+              </a:spcBef>
+              <a:spcAft>
+                <a:spcPts val="0"/>
+              </a:spcAft>
+              <a:buClrTx/>
+              <a:buSzTx/>
+              <a:buFontTx/>
+              <a:buNone/>
+              <a:tabLst/>
+              <a:defRPr/>
+            </a:pPr>
+            <a:endParaRPr lang="en-GB" dirty="0"/>
+          </a:p>
+        </p:txBody>
+      </p:sp>
+      <p:sp>
+        <p:nvSpPr>
+          <p:cNvPr id="4" name="Slide Number Placeholder 3"/>
+          <p:cNvSpPr>
+            <a:spLocks noGrp="1"/>
+          </p:cNvSpPr>
+          <p:nvPr>
+            <p:ph type="sldNum" sz="quarter" idx="5"/>
+          </p:nvPr>
+        </p:nvSpPr>
+        <p:spPr/>
+        <p:txBody>
+          <a:bodyPr/>
+          <a:lstStyle/>
+          <a:p>
+            <a:fld id="{FF8E2075-CA56-421E-B5CA-3A21695CDA2C}" type="slidenum">
+              <a:rPr lang="en-GB" smtClean="0"/>
+              <a:t>27</a:t>
+            </a:fld>
+            <a:endParaRPr lang="en-GB"/>
+          </a:p>
+        </p:txBody>
+      </p:sp>
+    </p:spTree>
+    <p:extLst>
+      <p:ext uri="{BB962C8B-B14F-4D97-AF65-F5344CB8AC3E}">
+        <p14:creationId xmlns:p14="http://schemas.microsoft.com/office/powerpoint/2010/main" val="2620132729"/>
+      </p:ext>
+    </p:extLst>
+  </p:cSld>
+  <p:clrMapOvr>
+    <a:masterClrMapping/>
+  </p:clrMapOvr>
+</p:notes>
+</file>
+
+<file path=ppt/notesSlides/notesSlide28.xml><?xml version="1.0" encoding="utf-8"?>
+<p:notes xmlns:a="http://schemas.openxmlformats.org/drawingml/2006/main" xmlns:r="http://schemas.openxmlformats.org/officeDocument/2006/relationships" xmlns:p="http://schemas.openxmlformats.org/presentationml/2006/main">
+  <p:cSld>
+    <p:spTree>
+      <p:nvGrpSpPr>
+        <p:cNvPr id="1" name=""/>
+        <p:cNvGrpSpPr/>
+        <p:nvPr/>
+      </p:nvGrpSpPr>
+      <p:grpSpPr>
+        <a:xfrm>
+          <a:off x="0" y="0"/>
+          <a:ext cx="0" cy="0"/>
+          <a:chOff x="0" y="0"/>
+          <a:chExt cx="0" cy="0"/>
+        </a:xfrm>
+      </p:grpSpPr>
+      <p:sp>
+        <p:nvSpPr>
+          <p:cNvPr id="2" name="Slide Image Placeholder 1"/>
+          <p:cNvSpPr>
+            <a:spLocks noGrp="1" noRot="1" noChangeAspect="1"/>
+          </p:cNvSpPr>
+          <p:nvPr>
+            <p:ph type="sldImg"/>
+          </p:nvPr>
+        </p:nvSpPr>
+        <p:spPr/>
+      </p:sp>
+      <p:sp>
+        <p:nvSpPr>
+          <p:cNvPr id="3" name="Notes Placeholder 2"/>
+          <p:cNvSpPr>
+            <a:spLocks noGrp="1"/>
+          </p:cNvSpPr>
+          <p:nvPr>
+            <p:ph type="body" idx="1"/>
+          </p:nvPr>
+        </p:nvSpPr>
+        <p:spPr/>
+        <p:txBody>
+          <a:bodyPr/>
+          <a:lstStyle/>
+          <a:p>
+            <a:endParaRPr lang="en-GB" dirty="0"/>
+          </a:p>
+        </p:txBody>
+      </p:sp>
+      <p:sp>
+        <p:nvSpPr>
+          <p:cNvPr id="4" name="Slide Number Placeholder 3"/>
+          <p:cNvSpPr>
+            <a:spLocks noGrp="1"/>
+          </p:cNvSpPr>
+          <p:nvPr>
+            <p:ph type="sldNum" sz="quarter" idx="5"/>
+          </p:nvPr>
+        </p:nvSpPr>
+        <p:spPr/>
+        <p:txBody>
+          <a:bodyPr/>
+          <a:lstStyle/>
+          <a:p>
+            <a:fld id="{FF8E2075-CA56-421E-B5CA-3A21695CDA2C}" type="slidenum">
+              <a:rPr lang="en-GB" smtClean="0"/>
+              <a:t>28</a:t>
             </a:fld>
             <a:endParaRPr lang="en-GB"/>
           </a:p>
@@ -3046,7 +3912,7 @@
           <a:p>
             <a:fld id="{91DA2ABD-56CF-4AF0-B768-68FBFFFF9BC8}" type="datetimeFigureOut">
               <a:rPr lang="en-GB" smtClean="0"/>
-              <a:t>26/05/2021</a:t>
+              <a:t>27/05/2021</a:t>
             </a:fld>
             <a:endParaRPr lang="en-GB"/>
           </a:p>
@@ -3246,7 +4112,7 @@
           <a:p>
             <a:fld id="{91DA2ABD-56CF-4AF0-B768-68FBFFFF9BC8}" type="datetimeFigureOut">
               <a:rPr lang="en-GB" smtClean="0"/>
-              <a:t>26/05/2021</a:t>
+              <a:t>27/05/2021</a:t>
             </a:fld>
             <a:endParaRPr lang="en-GB"/>
           </a:p>
@@ -3456,7 +4322,7 @@
           <a:p>
             <a:fld id="{91DA2ABD-56CF-4AF0-B768-68FBFFFF9BC8}" type="datetimeFigureOut">
               <a:rPr lang="en-GB" smtClean="0"/>
-              <a:t>26/05/2021</a:t>
+              <a:t>27/05/2021</a:t>
             </a:fld>
             <a:endParaRPr lang="en-GB"/>
           </a:p>
@@ -3656,7 +4522,7 @@
           <a:p>
             <a:fld id="{91DA2ABD-56CF-4AF0-B768-68FBFFFF9BC8}" type="datetimeFigureOut">
               <a:rPr lang="en-GB" smtClean="0"/>
-              <a:t>26/05/2021</a:t>
+              <a:t>27/05/2021</a:t>
             </a:fld>
             <a:endParaRPr lang="en-GB"/>
           </a:p>
@@ -3932,7 +4798,7 @@
           <a:p>
             <a:fld id="{91DA2ABD-56CF-4AF0-B768-68FBFFFF9BC8}" type="datetimeFigureOut">
               <a:rPr lang="en-GB" smtClean="0"/>
-              <a:t>26/05/2021</a:t>
+              <a:t>27/05/2021</a:t>
             </a:fld>
             <a:endParaRPr lang="en-GB"/>
           </a:p>
@@ -4200,7 +5066,7 @@
           <a:p>
             <a:fld id="{91DA2ABD-56CF-4AF0-B768-68FBFFFF9BC8}" type="datetimeFigureOut">
               <a:rPr lang="en-GB" smtClean="0"/>
-              <a:t>26/05/2021</a:t>
+              <a:t>27/05/2021</a:t>
             </a:fld>
             <a:endParaRPr lang="en-GB"/>
           </a:p>
@@ -4615,7 +5481,7 @@
           <a:p>
             <a:fld id="{91DA2ABD-56CF-4AF0-B768-68FBFFFF9BC8}" type="datetimeFigureOut">
               <a:rPr lang="en-GB" smtClean="0"/>
-              <a:t>26/05/2021</a:t>
+              <a:t>27/05/2021</a:t>
             </a:fld>
             <a:endParaRPr lang="en-GB"/>
           </a:p>
@@ -4757,7 +5623,7 @@
           <a:p>
             <a:fld id="{91DA2ABD-56CF-4AF0-B768-68FBFFFF9BC8}" type="datetimeFigureOut">
               <a:rPr lang="en-GB" smtClean="0"/>
-              <a:t>26/05/2021</a:t>
+              <a:t>27/05/2021</a:t>
             </a:fld>
             <a:endParaRPr lang="en-GB"/>
           </a:p>
@@ -4870,7 +5736,7 @@
           <a:p>
             <a:fld id="{91DA2ABD-56CF-4AF0-B768-68FBFFFF9BC8}" type="datetimeFigureOut">
               <a:rPr lang="en-GB" smtClean="0"/>
-              <a:t>26/05/2021</a:t>
+              <a:t>27/05/2021</a:t>
             </a:fld>
             <a:endParaRPr lang="en-GB"/>
           </a:p>
@@ -5183,7 +6049,7 @@
           <a:p>
             <a:fld id="{91DA2ABD-56CF-4AF0-B768-68FBFFFF9BC8}" type="datetimeFigureOut">
               <a:rPr lang="en-GB" smtClean="0"/>
-              <a:t>26/05/2021</a:t>
+              <a:t>27/05/2021</a:t>
             </a:fld>
             <a:endParaRPr lang="en-GB"/>
           </a:p>
@@ -5472,7 +6338,7 @@
           <a:p>
             <a:fld id="{91DA2ABD-56CF-4AF0-B768-68FBFFFF9BC8}" type="datetimeFigureOut">
               <a:rPr lang="en-GB" smtClean="0"/>
-              <a:t>26/05/2021</a:t>
+              <a:t>27/05/2021</a:t>
             </a:fld>
             <a:endParaRPr lang="en-GB"/>
           </a:p>
@@ -5715,7 +6581,7 @@
           <a:p>
             <a:fld id="{91DA2ABD-56CF-4AF0-B768-68FBFFFF9BC8}" type="datetimeFigureOut">
               <a:rPr lang="en-GB" smtClean="0"/>
-              <a:t>26/05/2021</a:t>
+              <a:t>27/05/2021</a:t>
             </a:fld>
             <a:endParaRPr lang="en-GB"/>
           </a:p>
@@ -6587,8 +7453,8 @@
           </a:p>
         </p:txBody>
       </p:sp>
-      <mc:AlternateContent xmlns:mc="http://schemas.openxmlformats.org/markup-compatibility/2006">
-        <mc:Choice xmlns:a14="http://schemas.microsoft.com/office/drawing/2010/main" Requires="a14">
+      <mc:AlternateContent xmlns:mc="http://schemas.openxmlformats.org/markup-compatibility/2006" xmlns:a14="http://schemas.microsoft.com/office/drawing/2010/main">
+        <mc:Choice Requires="a14">
           <p:sp>
             <p:nvSpPr>
               <p:cNvPr id="4" name="Content Placeholder 3">
@@ -7215,7 +8081,7 @@
             </p:txBody>
           </p:sp>
         </mc:Choice>
-        <mc:Fallback>
+        <mc:Fallback xmlns="">
           <p:sp>
             <p:nvSpPr>
               <p:cNvPr id="4" name="Content Placeholder 3">
@@ -7825,7 +8691,7 @@
 </file>
 
 <file path=ppt/slides/slide14.xml><?xml version="1.0" encoding="utf-8"?>
-<p:sld xmlns:a="http://schemas.openxmlformats.org/drawingml/2006/main" xmlns:r="http://schemas.openxmlformats.org/officeDocument/2006/relationships" xmlns:p="http://schemas.openxmlformats.org/presentationml/2006/main">
+<p:sld xmlns:a="http://schemas.openxmlformats.org/drawingml/2006/main" xmlns:r="http://schemas.openxmlformats.org/officeDocument/2006/relationships" xmlns:p="http://schemas.openxmlformats.org/presentationml/2006/main" show="0">
   <p:cSld>
     <p:spTree>
       <p:nvGrpSpPr>
@@ -8173,6 +9039,139 @@
             </a:r>
           </a:p>
           <a:p>
+            <a:endParaRPr lang="en-GB" dirty="0"/>
+          </a:p>
+        </p:txBody>
+      </p:sp>
+      <p:pic>
+        <p:nvPicPr>
+          <p:cNvPr id="13" name="Content Placeholder 7" descr="Graphical user interface, chart, diagram, histogram&#10;&#10;Description automatically generated">
+            <a:extLst>
+              <a:ext uri="{FF2B5EF4-FFF2-40B4-BE49-F238E27FC236}">
+                <a16:creationId xmlns:a16="http://schemas.microsoft.com/office/drawing/2014/main" id="{78A49DE7-74EE-430B-B0C8-3231D6DC2452}"/>
+              </a:ext>
+            </a:extLst>
+          </p:cNvPr>
+          <p:cNvPicPr>
+            <a:picLocks noGrp="1" noChangeAspect="1"/>
+          </p:cNvPicPr>
+          <p:nvPr>
+            <p:ph sz="half" idx="2"/>
+          </p:nvPr>
+        </p:nvPicPr>
+        <p:blipFill>
+          <a:blip r:embed="rId3">
+            <a:extLst>
+              <a:ext uri="{28A0092B-C50C-407E-A947-70E740481C1C}">
+                <a14:useLocalDpi xmlns:a14="http://schemas.microsoft.com/office/drawing/2010/main" val="0"/>
+              </a:ext>
+            </a:extLst>
+          </a:blip>
+          <a:stretch>
+            <a:fillRect/>
+          </a:stretch>
+        </p:blipFill>
+        <p:spPr>
+          <a:xfrm>
+            <a:off x="7263639" y="1825625"/>
+            <a:ext cx="2998722" cy="4351338"/>
+          </a:xfrm>
+          <a:prstGeom prst="rect">
+            <a:avLst/>
+          </a:prstGeom>
+        </p:spPr>
+      </p:pic>
+    </p:spTree>
+    <p:extLst>
+      <p:ext uri="{BB962C8B-B14F-4D97-AF65-F5344CB8AC3E}">
+        <p14:creationId xmlns:p14="http://schemas.microsoft.com/office/powerpoint/2010/main" val="2933025527"/>
+      </p:ext>
+    </p:extLst>
+  </p:cSld>
+  <p:clrMapOvr>
+    <a:masterClrMapping/>
+  </p:clrMapOvr>
+</p:sld>
+</file>
+
+<file path=ppt/slides/slide16.xml><?xml version="1.0" encoding="utf-8"?>
+<p:sld xmlns:a="http://schemas.openxmlformats.org/drawingml/2006/main" xmlns:r="http://schemas.openxmlformats.org/officeDocument/2006/relationships" xmlns:p="http://schemas.openxmlformats.org/presentationml/2006/main" show="0">
+  <p:cSld>
+    <p:spTree>
+      <p:nvGrpSpPr>
+        <p:cNvPr id="1" name=""/>
+        <p:cNvGrpSpPr/>
+        <p:nvPr/>
+      </p:nvGrpSpPr>
+      <p:grpSpPr>
+        <a:xfrm>
+          <a:off x="0" y="0"/>
+          <a:ext cx="0" cy="0"/>
+          <a:chOff x="0" y="0"/>
+          <a:chExt cx="0" cy="0"/>
+        </a:xfrm>
+      </p:grpSpPr>
+      <p:sp>
+        <p:nvSpPr>
+          <p:cNvPr id="2" name="Title 1">
+            <a:extLst>
+              <a:ext uri="{FF2B5EF4-FFF2-40B4-BE49-F238E27FC236}">
+                <a16:creationId xmlns:a16="http://schemas.microsoft.com/office/drawing/2014/main" id="{5809BBC8-E280-4EE5-9F44-E58EE219BC5F}"/>
+              </a:ext>
+            </a:extLst>
+          </p:cNvPr>
+          <p:cNvSpPr>
+            <a:spLocks noGrp="1"/>
+          </p:cNvSpPr>
+          <p:nvPr>
+            <p:ph type="title"/>
+          </p:nvPr>
+        </p:nvSpPr>
+        <p:spPr/>
+        <p:txBody>
+          <a:bodyPr/>
+          <a:lstStyle/>
+          <a:p>
+            <a:r>
+              <a:rPr lang="en-GB" dirty="0"/>
+              <a:t>Chap 2: Ideal footpoint driven Alfvén waves</a:t>
+            </a:r>
+          </a:p>
+        </p:txBody>
+      </p:sp>
+      <p:sp>
+        <p:nvSpPr>
+          <p:cNvPr id="3" name="Content Placeholder 2">
+            <a:extLst>
+              <a:ext uri="{FF2B5EF4-FFF2-40B4-BE49-F238E27FC236}">
+                <a16:creationId xmlns:a16="http://schemas.microsoft.com/office/drawing/2014/main" id="{290A54F2-D1EC-4AA5-BCD5-DFD1C01565C2}"/>
+              </a:ext>
+            </a:extLst>
+          </p:cNvPr>
+          <p:cNvSpPr>
+            <a:spLocks noGrp="1"/>
+          </p:cNvSpPr>
+          <p:nvPr>
+            <p:ph sz="half" idx="1"/>
+          </p:nvPr>
+        </p:nvSpPr>
+        <p:spPr/>
+        <p:txBody>
+          <a:bodyPr/>
+          <a:lstStyle/>
+          <a:p>
+            <a:r>
+              <a:rPr lang="en-GB" dirty="0"/>
+              <a:t>Closed loop: general solution</a:t>
+            </a:r>
+          </a:p>
+          <a:p>
+            <a:r>
+              <a:rPr lang="en-GB" dirty="0"/>
+              <a:t>Closed loop: sinusoidal solution</a:t>
+            </a:r>
+          </a:p>
+          <a:p>
             <a:r>
               <a:rPr lang="en-GB" dirty="0"/>
               <a:t>Closed loop: broadband driver</a:t>
@@ -8225,7 +9224,137 @@
 </p:sld>
 </file>
 
-<file path=ppt/slides/slide16.xml><?xml version="1.0" encoding="utf-8"?>
+<file path=ppt/slides/slide17.xml><?xml version="1.0" encoding="utf-8"?>
+<p:sld xmlns:a="http://schemas.openxmlformats.org/drawingml/2006/main" xmlns:r="http://schemas.openxmlformats.org/officeDocument/2006/relationships" xmlns:p="http://schemas.openxmlformats.org/presentationml/2006/main">
+  <p:cSld>
+    <p:spTree>
+      <p:nvGrpSpPr>
+        <p:cNvPr id="1" name=""/>
+        <p:cNvGrpSpPr/>
+        <p:nvPr/>
+      </p:nvGrpSpPr>
+      <p:grpSpPr>
+        <a:xfrm>
+          <a:off x="0" y="0"/>
+          <a:ext cx="0" cy="0"/>
+          <a:chOff x="0" y="0"/>
+          <a:chExt cx="0" cy="0"/>
+        </a:xfrm>
+      </p:grpSpPr>
+      <p:sp>
+        <p:nvSpPr>
+          <p:cNvPr id="2" name="Title 1">
+            <a:extLst>
+              <a:ext uri="{FF2B5EF4-FFF2-40B4-BE49-F238E27FC236}">
+                <a16:creationId xmlns:a16="http://schemas.microsoft.com/office/drawing/2014/main" id="{5809BBC8-E280-4EE5-9F44-E58EE219BC5F}"/>
+              </a:ext>
+            </a:extLst>
+          </p:cNvPr>
+          <p:cNvSpPr>
+            <a:spLocks noGrp="1"/>
+          </p:cNvSpPr>
+          <p:nvPr>
+            <p:ph type="title"/>
+          </p:nvPr>
+        </p:nvSpPr>
+        <p:spPr/>
+        <p:txBody>
+          <a:bodyPr/>
+          <a:lstStyle/>
+          <a:p>
+            <a:r>
+              <a:rPr lang="en-GB" dirty="0"/>
+              <a:t>Chap 2: Ideal footpoint driven Alfvén waves</a:t>
+            </a:r>
+          </a:p>
+        </p:txBody>
+      </p:sp>
+      <p:sp>
+        <p:nvSpPr>
+          <p:cNvPr id="3" name="Content Placeholder 2">
+            <a:extLst>
+              <a:ext uri="{FF2B5EF4-FFF2-40B4-BE49-F238E27FC236}">
+                <a16:creationId xmlns:a16="http://schemas.microsoft.com/office/drawing/2014/main" id="{290A54F2-D1EC-4AA5-BCD5-DFD1C01565C2}"/>
+              </a:ext>
+            </a:extLst>
+          </p:cNvPr>
+          <p:cNvSpPr>
+            <a:spLocks noGrp="1"/>
+          </p:cNvSpPr>
+          <p:nvPr>
+            <p:ph sz="half" idx="1"/>
+          </p:nvPr>
+        </p:nvSpPr>
+        <p:spPr/>
+        <p:txBody>
+          <a:bodyPr/>
+          <a:lstStyle/>
+          <a:p>
+            <a:r>
+              <a:rPr lang="en-GB" dirty="0"/>
+              <a:t>Closed loop: general solution</a:t>
+            </a:r>
+          </a:p>
+          <a:p>
+            <a:r>
+              <a:rPr lang="en-GB" dirty="0"/>
+              <a:t>Closed loop: sinusoidal solution</a:t>
+            </a:r>
+          </a:p>
+          <a:p>
+            <a:r>
+              <a:rPr lang="en-GB" dirty="0"/>
+              <a:t>Closed loop: broadband driver</a:t>
+            </a:r>
+          </a:p>
+          <a:p>
+            <a:endParaRPr lang="en-GB" dirty="0"/>
+          </a:p>
+        </p:txBody>
+      </p:sp>
+      <p:pic>
+        <p:nvPicPr>
+          <p:cNvPr id="7" name="Content Placeholder 6">
+            <a:extLst>
+              <a:ext uri="{FF2B5EF4-FFF2-40B4-BE49-F238E27FC236}">
+                <a16:creationId xmlns:a16="http://schemas.microsoft.com/office/drawing/2014/main" id="{BFEDD9C4-71C1-4796-B697-D57076543A71}"/>
+              </a:ext>
+            </a:extLst>
+          </p:cNvPr>
+          <p:cNvPicPr>
+            <a:picLocks noGrp="1" noChangeAspect="1"/>
+          </p:cNvPicPr>
+          <p:nvPr>
+            <p:ph sz="half" idx="2"/>
+          </p:nvPr>
+        </p:nvPicPr>
+        <p:blipFill>
+          <a:blip r:embed="rId3"/>
+          <a:stretch>
+            <a:fillRect/>
+          </a:stretch>
+        </p:blipFill>
+        <p:spPr>
+          <a:xfrm>
+            <a:off x="7196450" y="1825625"/>
+            <a:ext cx="3133100" cy="4351338"/>
+          </a:xfrm>
+        </p:spPr>
+      </p:pic>
+    </p:spTree>
+    <p:extLst>
+      <p:ext uri="{BB962C8B-B14F-4D97-AF65-F5344CB8AC3E}">
+        <p14:creationId xmlns:p14="http://schemas.microsoft.com/office/powerpoint/2010/main" val="2981540543"/>
+      </p:ext>
+    </p:extLst>
+  </p:cSld>
+  <p:clrMapOvr>
+    <a:masterClrMapping/>
+  </p:clrMapOvr>
+</p:sld>
+</file>
+
+<file path=ppt/slides/slide18.xml><?xml version="1.0" encoding="utf-8"?>
 <p:sld xmlns:a="http://schemas.openxmlformats.org/drawingml/2006/main" xmlns:r="http://schemas.openxmlformats.org/officeDocument/2006/relationships" xmlns:p="http://schemas.openxmlformats.org/presentationml/2006/main">
   <p:cSld>
     <p:spTree>
@@ -8364,7 +9493,7 @@
 </p:sld>
 </file>
 
-<file path=ppt/slides/slide17.xml><?xml version="1.0" encoding="utf-8"?>
+<file path=ppt/slides/slide19.xml><?xml version="1.0" encoding="utf-8"?>
 <p:sld xmlns:a="http://schemas.openxmlformats.org/drawingml/2006/main" xmlns:r="http://schemas.openxmlformats.org/officeDocument/2006/relationships" xmlns:p="http://schemas.openxmlformats.org/presentationml/2006/main">
   <p:cSld>
     <p:spTree>
@@ -8467,8 +9596,8 @@
           </a:p>
         </p:txBody>
       </p:sp>
-      <mc:AlternateContent xmlns:mc="http://schemas.openxmlformats.org/markup-compatibility/2006">
-        <mc:Choice xmlns:a14="http://schemas.microsoft.com/office/drawing/2010/main" Requires="a14">
+      <mc:AlternateContent xmlns:mc="http://schemas.openxmlformats.org/markup-compatibility/2006" xmlns:a14="http://schemas.microsoft.com/office/drawing/2010/main">
+        <mc:Choice Requires="a14">
           <p:sp>
             <p:nvSpPr>
               <p:cNvPr id="11" name="Content Placeholder 10">
@@ -8761,7 +9890,7 @@
             </p:txBody>
           </p:sp>
         </mc:Choice>
-        <mc:Fallback>
+        <mc:Fallback xmlns="">
           <p:sp>
             <p:nvSpPr>
               <p:cNvPr id="11" name="Content Placeholder 10">
@@ -8814,7 +9943,123 @@
 </p:sld>
 </file>
 
-<file path=ppt/slides/slide18.xml><?xml version="1.0" encoding="utf-8"?>
+<file path=ppt/slides/slide2.xml><?xml version="1.0" encoding="utf-8"?>
+<p:sld xmlns:a="http://schemas.openxmlformats.org/drawingml/2006/main" xmlns:r="http://schemas.openxmlformats.org/officeDocument/2006/relationships" xmlns:p="http://schemas.openxmlformats.org/presentationml/2006/main">
+  <p:cSld>
+    <p:spTree>
+      <p:nvGrpSpPr>
+        <p:cNvPr id="1" name=""/>
+        <p:cNvGrpSpPr/>
+        <p:nvPr/>
+      </p:nvGrpSpPr>
+      <p:grpSpPr>
+        <a:xfrm>
+          <a:off x="0" y="0"/>
+          <a:ext cx="0" cy="0"/>
+          <a:chOff x="0" y="0"/>
+          <a:chExt cx="0" cy="0"/>
+        </a:xfrm>
+      </p:grpSpPr>
+      <p:sp>
+        <p:nvSpPr>
+          <p:cNvPr id="2" name="Title 1">
+            <a:extLst>
+              <a:ext uri="{FF2B5EF4-FFF2-40B4-BE49-F238E27FC236}">
+                <a16:creationId xmlns:a16="http://schemas.microsoft.com/office/drawing/2014/main" id="{B2A558C5-5B4C-411A-924C-CA502A7F66DD}"/>
+              </a:ext>
+            </a:extLst>
+          </p:cNvPr>
+          <p:cNvSpPr>
+            <a:spLocks noGrp="1"/>
+          </p:cNvSpPr>
+          <p:nvPr>
+            <p:ph type="title"/>
+          </p:nvPr>
+        </p:nvSpPr>
+        <p:spPr/>
+        <p:txBody>
+          <a:bodyPr/>
+          <a:lstStyle/>
+          <a:p>
+            <a:r>
+              <a:rPr lang="en-GB" dirty="0"/>
+              <a:t>Structure</a:t>
+            </a:r>
+          </a:p>
+        </p:txBody>
+      </p:sp>
+      <p:sp>
+        <p:nvSpPr>
+          <p:cNvPr id="3" name="Content Placeholder 2">
+            <a:extLst>
+              <a:ext uri="{FF2B5EF4-FFF2-40B4-BE49-F238E27FC236}">
+                <a16:creationId xmlns:a16="http://schemas.microsoft.com/office/drawing/2014/main" id="{C5463C6D-487F-4263-9F48-753ED0BD4063}"/>
+              </a:ext>
+            </a:extLst>
+          </p:cNvPr>
+          <p:cNvSpPr>
+            <a:spLocks noGrp="1"/>
+          </p:cNvSpPr>
+          <p:nvPr>
+            <p:ph idx="1"/>
+          </p:nvPr>
+        </p:nvSpPr>
+        <p:spPr/>
+        <p:txBody>
+          <a:bodyPr/>
+          <a:lstStyle/>
+          <a:p>
+            <a:r>
+              <a:rPr lang="en-GB" dirty="0"/>
+              <a:t>Chapter 1: Introduction</a:t>
+            </a:r>
+          </a:p>
+          <a:p>
+            <a:r>
+              <a:rPr lang="en-GB" dirty="0"/>
+              <a:t>Chapter 2: Ideal footpoint driven Alfvén waves</a:t>
+            </a:r>
+          </a:p>
+          <a:p>
+            <a:r>
+              <a:rPr lang="en-GB" dirty="0"/>
+              <a:t>Chapter 3: Resistive phase-mixed Alfvén waves</a:t>
+            </a:r>
+          </a:p>
+          <a:p>
+            <a:r>
+              <a:rPr lang="en-GB" dirty="0"/>
+              <a:t>Chapter 4: Resonant absorption in an oblique field</a:t>
+            </a:r>
+          </a:p>
+          <a:p>
+            <a:r>
+              <a:rPr lang="en-GB" dirty="0"/>
+              <a:t>Chapter 5: Conclusions and future work</a:t>
+            </a:r>
+          </a:p>
+          <a:p>
+            <a:r>
+              <a:rPr lang="en-GB" dirty="0"/>
+              <a:t>Appendix A: Coronal heating by viscous fast waves</a:t>
+            </a:r>
+          </a:p>
+        </p:txBody>
+      </p:sp>
+    </p:spTree>
+    <p:extLst>
+      <p:ext uri="{BB962C8B-B14F-4D97-AF65-F5344CB8AC3E}">
+        <p14:creationId xmlns:p14="http://schemas.microsoft.com/office/powerpoint/2010/main" val="97279022"/>
+      </p:ext>
+    </p:extLst>
+  </p:cSld>
+  <p:clrMapOvr>
+    <a:masterClrMapping/>
+  </p:clrMapOvr>
+</p:sld>
+</file>
+
+<file path=ppt/slides/slide20.xml><?xml version="1.0" encoding="utf-8"?>
 <p:sld xmlns:a="http://schemas.openxmlformats.org/drawingml/2006/main" xmlns:r="http://schemas.openxmlformats.org/officeDocument/2006/relationships" xmlns:p="http://schemas.openxmlformats.org/presentationml/2006/main" show="0">
   <p:cSld>
     <p:spTree>
@@ -8971,7 +10216,7 @@
 </p:sld>
 </file>
 
-<file path=ppt/slides/slide19.xml><?xml version="1.0" encoding="utf-8"?>
+<file path=ppt/slides/slide21.xml><?xml version="1.0" encoding="utf-8"?>
 <p:sld xmlns:a="http://schemas.openxmlformats.org/drawingml/2006/main" xmlns:r="http://schemas.openxmlformats.org/officeDocument/2006/relationships" xmlns:p="http://schemas.openxmlformats.org/presentationml/2006/main">
   <p:cSld>
     <p:spTree>
@@ -9079,7 +10324,7 @@
 </p:sld>
 </file>
 
-<file path=ppt/slides/slide2.xml><?xml version="1.0" encoding="utf-8"?>
+<file path=ppt/slides/slide22.xml><?xml version="1.0" encoding="utf-8"?>
 <p:sld xmlns:a="http://schemas.openxmlformats.org/drawingml/2006/main" xmlns:r="http://schemas.openxmlformats.org/officeDocument/2006/relationships" xmlns:p="http://schemas.openxmlformats.org/presentationml/2006/main">
   <p:cSld>
     <p:spTree>
@@ -9101,7 +10346,7 @@
           <p:cNvPr id="2" name="Title 1">
             <a:extLst>
               <a:ext uri="{FF2B5EF4-FFF2-40B4-BE49-F238E27FC236}">
-                <a16:creationId xmlns:a16="http://schemas.microsoft.com/office/drawing/2014/main" id="{B2A558C5-5B4C-411A-924C-CA502A7F66DD}"/>
+                <a16:creationId xmlns:a16="http://schemas.microsoft.com/office/drawing/2014/main" id="{EA765C4E-ECA8-47FD-A71F-FA0E1B024468}"/>
               </a:ext>
             </a:extLst>
           </p:cNvPr>
@@ -9119,73 +10364,403 @@
           <a:p>
             <a:r>
               <a:rPr lang="en-GB" dirty="0"/>
-              <a:t>Structure</a:t>
-            </a:r>
-          </a:p>
-        </p:txBody>
-      </p:sp>
-      <p:sp>
-        <p:nvSpPr>
-          <p:cNvPr id="3" name="Content Placeholder 2">
-            <a:extLst>
-              <a:ext uri="{FF2B5EF4-FFF2-40B4-BE49-F238E27FC236}">
-                <a16:creationId xmlns:a16="http://schemas.microsoft.com/office/drawing/2014/main" id="{C5463C6D-487F-4263-9F48-753ED0BD4063}"/>
-              </a:ext>
-            </a:extLst>
-          </p:cNvPr>
-          <p:cNvSpPr>
-            <a:spLocks noGrp="1"/>
-          </p:cNvSpPr>
-          <p:nvPr>
-            <p:ph idx="1"/>
-          </p:nvPr>
-        </p:nvSpPr>
-        <p:spPr/>
-        <p:txBody>
-          <a:bodyPr/>
-          <a:lstStyle/>
-          <a:p>
-            <a:r>
-              <a:rPr lang="en-GB" dirty="0"/>
-              <a:t>Chapter 1: Introduction</a:t>
-            </a:r>
-          </a:p>
-          <a:p>
-            <a:r>
-              <a:rPr lang="en-GB" dirty="0"/>
-              <a:t>Chapter 2: Ideal footpoint driven Alfvén waves</a:t>
-            </a:r>
-          </a:p>
-          <a:p>
-            <a:r>
-              <a:rPr lang="en-GB" dirty="0"/>
-              <a:t>Chapter 3: Resistive phase-mixed Alfvén waves</a:t>
-            </a:r>
-          </a:p>
-          <a:p>
-            <a:r>
-              <a:rPr lang="en-GB" dirty="0"/>
-              <a:t>Chapter 4: Resonant absorption in an oblique field</a:t>
-            </a:r>
-          </a:p>
-          <a:p>
-            <a:r>
-              <a:rPr lang="en-GB" dirty="0"/>
-              <a:t>Chapter 5: Conclusions and future work</a:t>
-            </a:r>
-          </a:p>
-          <a:p>
-            <a:r>
-              <a:rPr lang="en-GB" dirty="0"/>
-              <a:t>Appendix A: Coronal heating by viscous fast waves</a:t>
-            </a:r>
-          </a:p>
-        </p:txBody>
-      </p:sp>
+              <a:t>Chap 3: Resistive phase-mixed Alfvén waves</a:t>
+            </a:r>
+          </a:p>
+        </p:txBody>
+      </p:sp>
+      <mc:AlternateContent xmlns:mc="http://schemas.openxmlformats.org/markup-compatibility/2006">
+        <mc:Choice xmlns:a14="http://schemas.microsoft.com/office/drawing/2010/main" Requires="a14">
+          <p:sp>
+            <p:nvSpPr>
+              <p:cNvPr id="3" name="Content Placeholder 2">
+                <a:extLst>
+                  <a:ext uri="{FF2B5EF4-FFF2-40B4-BE49-F238E27FC236}">
+                    <a16:creationId xmlns:a16="http://schemas.microsoft.com/office/drawing/2014/main" id="{22CAA699-20C9-46D7-894F-FCDEC2CF9DC8}"/>
+                  </a:ext>
+                </a:extLst>
+              </p:cNvPr>
+              <p:cNvSpPr>
+                <a:spLocks noGrp="1"/>
+              </p:cNvSpPr>
+              <p:nvPr>
+                <p:ph sz="half" idx="1"/>
+              </p:nvPr>
+            </p:nvSpPr>
+            <p:spPr/>
+            <p:txBody>
+              <a:bodyPr/>
+              <a:lstStyle/>
+              <a:p>
+                <a14:m>
+                  <m:oMath xmlns:m="http://schemas.openxmlformats.org/officeDocument/2006/math">
+                    <m:r>
+                      <a:rPr lang="en-GB" b="0" i="1" smtClean="0">
+                        <a:latin typeface="Cambria Math" panose="02040503050406030204" pitchFamily="18" charset="0"/>
+                      </a:rPr>
+                      <m:t>𝛾</m:t>
+                    </m:r>
+                    <m:r>
+                      <a:rPr lang="en-GB" b="0" i="1" smtClean="0">
+                        <a:latin typeface="Cambria Math" panose="02040503050406030204" pitchFamily="18" charset="0"/>
+                      </a:rPr>
+                      <m:t>=</m:t>
+                    </m:r>
+                    <m:f>
+                      <m:fPr>
+                        <m:ctrlPr>
+                          <a:rPr lang="en-GB" b="0" i="1" smtClean="0">
+                            <a:latin typeface="Cambria Math" panose="02040503050406030204" pitchFamily="18" charset="0"/>
+                          </a:rPr>
+                        </m:ctrlPr>
+                      </m:fPr>
+                      <m:num>
+                        <m:r>
+                          <m:rPr>
+                            <m:nor/>
+                          </m:rPr>
+                          <a:rPr lang="en-GB" b="0" i="0" smtClean="0">
+                            <a:latin typeface="Cambria Math" panose="02040503050406030204" pitchFamily="18" charset="0"/>
+                          </a:rPr>
+                          <m:t>Heating</m:t>
+                        </m:r>
+                        <m:r>
+                          <m:rPr>
+                            <m:nor/>
+                          </m:rPr>
+                          <a:rPr lang="en-GB" b="0" i="0" smtClean="0">
+                            <a:latin typeface="Cambria Math" panose="02040503050406030204" pitchFamily="18" charset="0"/>
+                          </a:rPr>
+                          <m:t> </m:t>
+                        </m:r>
+                        <m:r>
+                          <m:rPr>
+                            <m:nor/>
+                          </m:rPr>
+                          <a:rPr lang="en-GB" b="0" i="0" smtClean="0">
+                            <a:latin typeface="Cambria Math" panose="02040503050406030204" pitchFamily="18" charset="0"/>
+                          </a:rPr>
+                          <m:t>rate</m:t>
+                        </m:r>
+                      </m:num>
+                      <m:den>
+                        <m:r>
+                          <m:rPr>
+                            <m:nor/>
+                          </m:rPr>
+                          <a:rPr lang="en-GB" b="0" i="0" smtClean="0">
+                            <a:latin typeface="Cambria Math" panose="02040503050406030204" pitchFamily="18" charset="0"/>
+                          </a:rPr>
+                          <m:t>Wave</m:t>
+                        </m:r>
+                        <m:r>
+                          <m:rPr>
+                            <m:nor/>
+                          </m:rPr>
+                          <a:rPr lang="en-GB" b="0" i="0" smtClean="0">
+                            <a:latin typeface="Cambria Math" panose="02040503050406030204" pitchFamily="18" charset="0"/>
+                          </a:rPr>
+                          <m:t> </m:t>
+                        </m:r>
+                        <m:r>
+                          <m:rPr>
+                            <m:nor/>
+                          </m:rPr>
+                          <a:rPr lang="en-GB" b="0" i="0" smtClean="0">
+                            <a:latin typeface="Cambria Math" panose="02040503050406030204" pitchFamily="18" charset="0"/>
+                          </a:rPr>
+                          <m:t>energy</m:t>
+                        </m:r>
+                      </m:den>
+                    </m:f>
+                  </m:oMath>
+                </a14:m>
+                <a:endParaRPr lang="en-GB" dirty="0"/>
+              </a:p>
+              <a:p>
+                <a:endParaRPr lang="en-GB" dirty="0"/>
+              </a:p>
+            </p:txBody>
+          </p:sp>
+        </mc:Choice>
+        <mc:Fallback>
+          <p:sp>
+            <p:nvSpPr>
+              <p:cNvPr id="3" name="Content Placeholder 2">
+                <a:extLst>
+                  <a:ext uri="{FF2B5EF4-FFF2-40B4-BE49-F238E27FC236}">
+                    <a16:creationId xmlns:a16="http://schemas.microsoft.com/office/drawing/2014/main" id="{22CAA699-20C9-46D7-894F-FCDEC2CF9DC8}"/>
+                  </a:ext>
+                </a:extLst>
+              </p:cNvPr>
+              <p:cNvSpPr>
+                <a:spLocks noGrp="1" noRot="1" noChangeAspect="1" noMove="1" noResize="1" noEditPoints="1" noAdjustHandles="1" noChangeArrowheads="1" noChangeShapeType="1" noTextEdit="1"/>
+              </p:cNvSpPr>
+              <p:nvPr>
+                <p:ph sz="half" idx="1"/>
+              </p:nvPr>
+            </p:nvSpPr>
+            <p:spPr>
+              <a:blipFill>
+                <a:blip r:embed="rId3"/>
+                <a:stretch>
+                  <a:fillRect/>
+                </a:stretch>
+              </a:blipFill>
+            </p:spPr>
+            <p:txBody>
+              <a:bodyPr/>
+              <a:lstStyle/>
+              <a:p>
+                <a:r>
+                  <a:rPr lang="en-GB">
+                    <a:noFill/>
+                  </a:rPr>
+                  <a:t> </a:t>
+                </a:r>
+              </a:p>
+            </p:txBody>
+          </p:sp>
+        </mc:Fallback>
+      </mc:AlternateContent>
+      <mc:AlternateContent xmlns:mc="http://schemas.openxmlformats.org/markup-compatibility/2006">
+        <mc:Choice xmlns:a14="http://schemas.microsoft.com/office/drawing/2010/main" Requires="a14">
+          <p:sp>
+            <p:nvSpPr>
+              <p:cNvPr id="4" name="Content Placeholder 3">
+                <a:extLst>
+                  <a:ext uri="{FF2B5EF4-FFF2-40B4-BE49-F238E27FC236}">
+                    <a16:creationId xmlns:a16="http://schemas.microsoft.com/office/drawing/2014/main" id="{76E94FCF-67A7-4149-9482-E44663184624}"/>
+                  </a:ext>
+                </a:extLst>
+              </p:cNvPr>
+              <p:cNvSpPr>
+                <a:spLocks noGrp="1"/>
+              </p:cNvSpPr>
+              <p:nvPr>
+                <p:ph sz="half" idx="2"/>
+              </p:nvPr>
+            </p:nvSpPr>
+            <p:spPr/>
+            <p:txBody>
+              <a:bodyPr anchor="ctr"/>
+              <a:lstStyle/>
+              <a:p>
+                <a:pPr marL="0" indent="0" algn="ctr">
+                  <a:lnSpc>
+                    <a:spcPct val="150000"/>
+                  </a:lnSpc>
+                  <a:buNone/>
+                </a:pPr>
+                <a:r>
+                  <a:rPr lang="en-GB" dirty="0"/>
+                  <a:t>We require:</a:t>
+                </a:r>
+              </a:p>
+              <a:p>
+                <a:pPr marL="0" indent="0" algn="ctr">
+                  <a:lnSpc>
+                    <a:spcPct val="150000"/>
+                  </a:lnSpc>
+                  <a:buNone/>
+                </a:pPr>
+                <a14:m>
+                  <m:oMathPara xmlns:m="http://schemas.openxmlformats.org/officeDocument/2006/math">
+                    <m:oMathParaPr>
+                      <m:jc m:val="centerGroup"/>
+                    </m:oMathParaPr>
+                    <m:oMath xmlns:m="http://schemas.openxmlformats.org/officeDocument/2006/math">
+                      <m:r>
+                        <a:rPr lang="en-GB" b="0" i="1" smtClean="0">
+                          <a:latin typeface="Cambria Math" panose="02040503050406030204" pitchFamily="18" charset="0"/>
+                        </a:rPr>
+                        <m:t>𝛾</m:t>
+                      </m:r>
+                      <m:r>
+                        <m:rPr>
+                          <m:aln/>
+                        </m:rPr>
+                        <a:rPr lang="en-GB" b="0" i="1" smtClean="0">
+                          <a:latin typeface="Cambria Math" panose="02040503050406030204" pitchFamily="18" charset="0"/>
+                        </a:rPr>
+                        <m:t>=</m:t>
+                      </m:r>
+                      <m:f>
+                        <m:fPr>
+                          <m:ctrlPr>
+                            <a:rPr lang="en-GB" b="0" i="1" smtClean="0">
+                              <a:latin typeface="Cambria Math" panose="02040503050406030204" pitchFamily="18" charset="0"/>
+                            </a:rPr>
+                          </m:ctrlPr>
+                        </m:fPr>
+                        <m:num>
+                          <m:sSub>
+                            <m:sSubPr>
+                              <m:ctrlPr>
+                                <a:rPr lang="en-GB" b="0" i="1" smtClean="0">
+                                  <a:latin typeface="Cambria Math" panose="02040503050406030204" pitchFamily="18" charset="0"/>
+                                </a:rPr>
+                              </m:ctrlPr>
+                            </m:sSubPr>
+                            <m:e>
+                              <m:r>
+                                <a:rPr lang="en-GB" b="0" i="1" smtClean="0">
+                                  <a:latin typeface="Cambria Math" panose="02040503050406030204" pitchFamily="18" charset="0"/>
+                                </a:rPr>
+                                <m:t>𝐻</m:t>
+                              </m:r>
+                            </m:e>
+                            <m:sub>
+                              <m:r>
+                                <a:rPr lang="en-GB" b="0" i="1" smtClean="0">
+                                  <a:latin typeface="Cambria Math" panose="02040503050406030204" pitchFamily="18" charset="0"/>
+                                </a:rPr>
+                                <m:t>𝑐</m:t>
+                              </m:r>
+                            </m:sub>
+                          </m:sSub>
+                        </m:num>
+                        <m:den>
+                          <m:sSub>
+                            <m:sSubPr>
+                              <m:ctrlPr>
+                                <a:rPr lang="en-GB" b="0" i="1" smtClean="0">
+                                  <a:latin typeface="Cambria Math" panose="02040503050406030204" pitchFamily="18" charset="0"/>
+                                </a:rPr>
+                              </m:ctrlPr>
+                            </m:sSubPr>
+                            <m:e>
+                              <m:r>
+                                <a:rPr lang="en-GB" b="0" i="1" smtClean="0">
+                                  <a:latin typeface="Cambria Math" panose="02040503050406030204" pitchFamily="18" charset="0"/>
+                                </a:rPr>
+                                <m:t>𝐸</m:t>
+                              </m:r>
+                            </m:e>
+                            <m:sub>
+                              <m:r>
+                                <a:rPr lang="en-GB" b="0" i="1" smtClean="0">
+                                  <a:latin typeface="Cambria Math" panose="02040503050406030204" pitchFamily="18" charset="0"/>
+                                </a:rPr>
+                                <m:t>𝑤𝑎𝑣𝑒</m:t>
+                              </m:r>
+                            </m:sub>
+                          </m:sSub>
+                        </m:den>
+                      </m:f>
+                    </m:oMath>
+                    <m:oMath xmlns:m="http://schemas.openxmlformats.org/officeDocument/2006/math">
+                      <m:r>
+                        <m:rPr>
+                          <m:aln/>
+                        </m:rPr>
+                        <a:rPr lang="en-GB" b="0" i="1" smtClean="0">
+                          <a:latin typeface="Cambria Math" panose="02040503050406030204" pitchFamily="18" charset="0"/>
+                        </a:rPr>
+                        <m:t>≈</m:t>
+                      </m:r>
+                      <m:sSup>
+                        <m:sSupPr>
+                          <m:ctrlPr>
+                            <a:rPr lang="en-GB" b="0" i="1" smtClean="0">
+                              <a:latin typeface="Cambria Math" panose="02040503050406030204" pitchFamily="18" charset="0"/>
+                            </a:rPr>
+                          </m:ctrlPr>
+                        </m:sSupPr>
+                        <m:e>
+                          <m:r>
+                            <a:rPr lang="en-GB" b="0" i="1" smtClean="0">
+                              <a:latin typeface="Cambria Math" panose="02040503050406030204" pitchFamily="18" charset="0"/>
+                            </a:rPr>
+                            <m:t>10</m:t>
+                          </m:r>
+                        </m:e>
+                        <m:sup>
+                          <m:r>
+                            <a:rPr lang="en-GB" b="0" i="1" smtClean="0">
+                              <a:latin typeface="Cambria Math" panose="02040503050406030204" pitchFamily="18" charset="0"/>
+                            </a:rPr>
+                            <m:t>−1</m:t>
+                          </m:r>
+                        </m:sup>
+                      </m:sSup>
+                      <m:sSup>
+                        <m:sSupPr>
+                          <m:ctrlPr>
+                            <a:rPr lang="en-GB" b="0" i="1" smtClean="0">
+                              <a:latin typeface="Cambria Math" panose="02040503050406030204" pitchFamily="18" charset="0"/>
+                            </a:rPr>
+                          </m:ctrlPr>
+                        </m:sSupPr>
+                        <m:e>
+                          <m:r>
+                            <a:rPr lang="en-GB" b="0" i="1" smtClean="0">
+                              <a:latin typeface="Cambria Math" panose="02040503050406030204" pitchFamily="18" charset="0"/>
+                            </a:rPr>
+                            <m:t>𝑠</m:t>
+                          </m:r>
+                        </m:e>
+                        <m:sup>
+                          <m:r>
+                            <a:rPr lang="en-GB" b="0" i="1" smtClean="0">
+                              <a:latin typeface="Cambria Math" panose="02040503050406030204" pitchFamily="18" charset="0"/>
+                            </a:rPr>
+                            <m:t>−1</m:t>
+                          </m:r>
+                        </m:sup>
+                      </m:sSup>
+                    </m:oMath>
+                  </m:oMathPara>
+                </a14:m>
+                <a:endParaRPr lang="en-GB" dirty="0"/>
+              </a:p>
+            </p:txBody>
+          </p:sp>
+        </mc:Choice>
+        <mc:Fallback>
+          <p:sp>
+            <p:nvSpPr>
+              <p:cNvPr id="4" name="Content Placeholder 3">
+                <a:extLst>
+                  <a:ext uri="{FF2B5EF4-FFF2-40B4-BE49-F238E27FC236}">
+                    <a16:creationId xmlns:a16="http://schemas.microsoft.com/office/drawing/2014/main" id="{76E94FCF-67A7-4149-9482-E44663184624}"/>
+                  </a:ext>
+                </a:extLst>
+              </p:cNvPr>
+              <p:cNvSpPr>
+                <a:spLocks noGrp="1" noRot="1" noChangeAspect="1" noMove="1" noResize="1" noEditPoints="1" noAdjustHandles="1" noChangeArrowheads="1" noChangeShapeType="1" noTextEdit="1"/>
+              </p:cNvSpPr>
+              <p:nvPr>
+                <p:ph sz="half" idx="2"/>
+              </p:nvPr>
+            </p:nvSpPr>
+            <p:spPr>
+              <a:blipFill>
+                <a:blip r:embed="rId4"/>
+                <a:stretch>
+                  <a:fillRect/>
+                </a:stretch>
+              </a:blipFill>
+            </p:spPr>
+            <p:txBody>
+              <a:bodyPr/>
+              <a:lstStyle/>
+              <a:p>
+                <a:r>
+                  <a:rPr lang="en-GB">
+                    <a:noFill/>
+                  </a:rPr>
+                  <a:t> </a:t>
+                </a:r>
+              </a:p>
+            </p:txBody>
+          </p:sp>
+        </mc:Fallback>
+      </mc:AlternateContent>
     </p:spTree>
     <p:extLst>
       <p:ext uri="{BB962C8B-B14F-4D97-AF65-F5344CB8AC3E}">
-        <p14:creationId xmlns:p14="http://schemas.microsoft.com/office/powerpoint/2010/main" val="97279022"/>
+        <p14:creationId xmlns:p14="http://schemas.microsoft.com/office/powerpoint/2010/main" val="2554812846"/>
       </p:ext>
     </p:extLst>
   </p:cSld>
@@ -9195,7 +10770,260 @@
 </p:sld>
 </file>
 
-<file path=ppt/slides/slide20.xml><?xml version="1.0" encoding="utf-8"?>
+<file path=ppt/slides/slide23.xml><?xml version="1.0" encoding="utf-8"?>
+<p:sld xmlns:a="http://schemas.openxmlformats.org/drawingml/2006/main" xmlns:r="http://schemas.openxmlformats.org/officeDocument/2006/relationships" xmlns:p="http://schemas.openxmlformats.org/presentationml/2006/main">
+  <p:cSld>
+    <p:spTree>
+      <p:nvGrpSpPr>
+        <p:cNvPr id="1" name=""/>
+        <p:cNvGrpSpPr/>
+        <p:nvPr/>
+      </p:nvGrpSpPr>
+      <p:grpSpPr>
+        <a:xfrm>
+          <a:off x="0" y="0"/>
+          <a:ext cx="0" cy="0"/>
+          <a:chOff x="0" y="0"/>
+          <a:chExt cx="0" cy="0"/>
+        </a:xfrm>
+      </p:grpSpPr>
+      <p:sp>
+        <p:nvSpPr>
+          <p:cNvPr id="2" name="Title 1">
+            <a:extLst>
+              <a:ext uri="{FF2B5EF4-FFF2-40B4-BE49-F238E27FC236}">
+                <a16:creationId xmlns:a16="http://schemas.microsoft.com/office/drawing/2014/main" id="{EA765C4E-ECA8-47FD-A71F-FA0E1B024468}"/>
+              </a:ext>
+            </a:extLst>
+          </p:cNvPr>
+          <p:cNvSpPr>
+            <a:spLocks noGrp="1"/>
+          </p:cNvSpPr>
+          <p:nvPr>
+            <p:ph type="title"/>
+          </p:nvPr>
+        </p:nvSpPr>
+        <p:spPr/>
+        <p:txBody>
+          <a:bodyPr/>
+          <a:lstStyle/>
+          <a:p>
+            <a:r>
+              <a:rPr lang="en-GB" dirty="0"/>
+              <a:t>Chap 3: Resistive phase-mixed Alfvén waves</a:t>
+            </a:r>
+          </a:p>
+        </p:txBody>
+      </p:sp>
+      <mc:AlternateContent xmlns:mc="http://schemas.openxmlformats.org/markup-compatibility/2006">
+        <mc:Choice xmlns:a14="http://schemas.microsoft.com/office/drawing/2010/main" Requires="a14">
+          <p:sp>
+            <p:nvSpPr>
+              <p:cNvPr id="3" name="Content Placeholder 2">
+                <a:extLst>
+                  <a:ext uri="{FF2B5EF4-FFF2-40B4-BE49-F238E27FC236}">
+                    <a16:creationId xmlns:a16="http://schemas.microsoft.com/office/drawing/2014/main" id="{22CAA699-20C9-46D7-894F-FCDEC2CF9DC8}"/>
+                  </a:ext>
+                </a:extLst>
+              </p:cNvPr>
+              <p:cNvSpPr>
+                <a:spLocks noGrp="1"/>
+              </p:cNvSpPr>
+              <p:nvPr>
+                <p:ph sz="half" idx="1"/>
+              </p:nvPr>
+            </p:nvSpPr>
+            <p:spPr/>
+            <p:txBody>
+              <a:bodyPr/>
+              <a:lstStyle/>
+              <a:p>
+                <a14:m>
+                  <m:oMath xmlns:m="http://schemas.openxmlformats.org/officeDocument/2006/math">
+                    <m:r>
+                      <a:rPr lang="en-GB" b="0" i="1" smtClean="0">
+                        <a:latin typeface="Cambria Math" panose="02040503050406030204" pitchFamily="18" charset="0"/>
+                      </a:rPr>
+                      <m:t>𝛾</m:t>
+                    </m:r>
+                    <m:r>
+                      <a:rPr lang="en-GB" b="0" i="1" smtClean="0">
+                        <a:latin typeface="Cambria Math" panose="02040503050406030204" pitchFamily="18" charset="0"/>
+                      </a:rPr>
+                      <m:t>=</m:t>
+                    </m:r>
+                    <m:f>
+                      <m:fPr>
+                        <m:ctrlPr>
+                          <a:rPr lang="en-GB" b="0" i="1" smtClean="0">
+                            <a:latin typeface="Cambria Math" panose="02040503050406030204" pitchFamily="18" charset="0"/>
+                          </a:rPr>
+                        </m:ctrlPr>
+                      </m:fPr>
+                      <m:num>
+                        <m:r>
+                          <m:rPr>
+                            <m:nor/>
+                          </m:rPr>
+                          <a:rPr lang="en-GB" b="0" i="0" smtClean="0">
+                            <a:latin typeface="Cambria Math" panose="02040503050406030204" pitchFamily="18" charset="0"/>
+                          </a:rPr>
+                          <m:t>Heating</m:t>
+                        </m:r>
+                        <m:r>
+                          <m:rPr>
+                            <m:nor/>
+                          </m:rPr>
+                          <a:rPr lang="en-GB" b="0" i="0" smtClean="0">
+                            <a:latin typeface="Cambria Math" panose="02040503050406030204" pitchFamily="18" charset="0"/>
+                          </a:rPr>
+                          <m:t> </m:t>
+                        </m:r>
+                        <m:r>
+                          <m:rPr>
+                            <m:nor/>
+                          </m:rPr>
+                          <a:rPr lang="en-GB" b="0" i="0" smtClean="0">
+                            <a:latin typeface="Cambria Math" panose="02040503050406030204" pitchFamily="18" charset="0"/>
+                          </a:rPr>
+                          <m:t>rate</m:t>
+                        </m:r>
+                      </m:num>
+                      <m:den>
+                        <m:r>
+                          <m:rPr>
+                            <m:nor/>
+                          </m:rPr>
+                          <a:rPr lang="en-GB" b="0" i="0" smtClean="0">
+                            <a:latin typeface="Cambria Math" panose="02040503050406030204" pitchFamily="18" charset="0"/>
+                          </a:rPr>
+                          <m:t>Wave</m:t>
+                        </m:r>
+                        <m:r>
+                          <m:rPr>
+                            <m:nor/>
+                          </m:rPr>
+                          <a:rPr lang="en-GB" b="0" i="0" smtClean="0">
+                            <a:latin typeface="Cambria Math" panose="02040503050406030204" pitchFamily="18" charset="0"/>
+                          </a:rPr>
+                          <m:t> </m:t>
+                        </m:r>
+                        <m:r>
+                          <m:rPr>
+                            <m:nor/>
+                          </m:rPr>
+                          <a:rPr lang="en-GB" b="0" i="0" smtClean="0">
+                            <a:latin typeface="Cambria Math" panose="02040503050406030204" pitchFamily="18" charset="0"/>
+                          </a:rPr>
+                          <m:t>energy</m:t>
+                        </m:r>
+                      </m:den>
+                    </m:f>
+                  </m:oMath>
+                </a14:m>
+                <a:endParaRPr lang="en-GB" dirty="0"/>
+              </a:p>
+              <a:p>
+                <a:r>
+                  <a:rPr lang="en-GB" dirty="0"/>
+                  <a:t>Open loop</a:t>
+                </a:r>
+              </a:p>
+              <a:p>
+                <a:endParaRPr lang="en-GB" dirty="0"/>
+              </a:p>
+            </p:txBody>
+          </p:sp>
+        </mc:Choice>
+        <mc:Fallback>
+          <p:sp>
+            <p:nvSpPr>
+              <p:cNvPr id="3" name="Content Placeholder 2">
+                <a:extLst>
+                  <a:ext uri="{FF2B5EF4-FFF2-40B4-BE49-F238E27FC236}">
+                    <a16:creationId xmlns:a16="http://schemas.microsoft.com/office/drawing/2014/main" id="{22CAA699-20C9-46D7-894F-FCDEC2CF9DC8}"/>
+                  </a:ext>
+                </a:extLst>
+              </p:cNvPr>
+              <p:cNvSpPr>
+                <a:spLocks noGrp="1" noRot="1" noChangeAspect="1" noMove="1" noResize="1" noEditPoints="1" noAdjustHandles="1" noChangeArrowheads="1" noChangeShapeType="1" noTextEdit="1"/>
+              </p:cNvSpPr>
+              <p:nvPr>
+                <p:ph sz="half" idx="1"/>
+              </p:nvPr>
+            </p:nvSpPr>
+            <p:spPr>
+              <a:blipFill>
+                <a:blip r:embed="rId3"/>
+                <a:stretch>
+                  <a:fillRect l="-2118"/>
+                </a:stretch>
+              </a:blipFill>
+            </p:spPr>
+            <p:txBody>
+              <a:bodyPr/>
+              <a:lstStyle/>
+              <a:p>
+                <a:r>
+                  <a:rPr lang="en-GB">
+                    <a:noFill/>
+                  </a:rPr>
+                  <a:t> </a:t>
+                </a:r>
+              </a:p>
+            </p:txBody>
+          </p:sp>
+        </mc:Fallback>
+      </mc:AlternateContent>
+      <p:pic>
+        <p:nvPicPr>
+          <p:cNvPr id="6" name="Content Placeholder 5" descr="Chart&#10;&#10;Description automatically generated">
+            <a:extLst>
+              <a:ext uri="{FF2B5EF4-FFF2-40B4-BE49-F238E27FC236}">
+                <a16:creationId xmlns:a16="http://schemas.microsoft.com/office/drawing/2014/main" id="{89EBD829-0FD8-4D65-8ECF-101E4A4D5F6F}"/>
+              </a:ext>
+            </a:extLst>
+          </p:cNvPr>
+          <p:cNvPicPr>
+            <a:picLocks noGrp="1" noChangeAspect="1"/>
+          </p:cNvPicPr>
+          <p:nvPr>
+            <p:ph sz="half" idx="2"/>
+          </p:nvPr>
+        </p:nvPicPr>
+        <p:blipFill>
+          <a:blip r:embed="rId4">
+            <a:extLst>
+              <a:ext uri="{28A0092B-C50C-407E-A947-70E740481C1C}">
+                <a14:useLocalDpi xmlns:a14="http://schemas.microsoft.com/office/drawing/2010/main" val="0"/>
+              </a:ext>
+            </a:extLst>
+          </a:blip>
+          <a:stretch>
+            <a:fillRect/>
+          </a:stretch>
+        </p:blipFill>
+        <p:spPr>
+          <a:xfrm>
+            <a:off x="7059072" y="1825625"/>
+            <a:ext cx="3407856" cy="4351338"/>
+          </a:xfrm>
+        </p:spPr>
+      </p:pic>
+    </p:spTree>
+    <p:extLst>
+      <p:ext uri="{BB962C8B-B14F-4D97-AF65-F5344CB8AC3E}">
+        <p14:creationId xmlns:p14="http://schemas.microsoft.com/office/powerpoint/2010/main" val="792281389"/>
+      </p:ext>
+    </p:extLst>
+  </p:cSld>
+  <p:clrMapOvr>
+    <a:masterClrMapping/>
+  </p:clrMapOvr>
+</p:sld>
+</file>
+
+<file path=ppt/slides/slide24.xml><?xml version="1.0" encoding="utf-8"?>
 <p:sld xmlns:a="http://schemas.openxmlformats.org/drawingml/2006/main" xmlns:r="http://schemas.openxmlformats.org/officeDocument/2006/relationships" xmlns:p="http://schemas.openxmlformats.org/presentationml/2006/main">
   <p:cSld>
     <p:spTree>
@@ -9357,7 +11185,1055 @@
               <a:p>
                 <a:r>
                   <a:rPr lang="en-GB" dirty="0"/>
-                  <a:t>Closed loop</a:t>
+                  <a:t>Closed loop: single harmonic</a:t>
+                </a:r>
+              </a:p>
+              <a:p>
+                <a:endParaRPr lang="en-GB" dirty="0"/>
+              </a:p>
+            </p:txBody>
+          </p:sp>
+        </mc:Choice>
+        <mc:Fallback>
+          <p:sp>
+            <p:nvSpPr>
+              <p:cNvPr id="3" name="Content Placeholder 2">
+                <a:extLst>
+                  <a:ext uri="{FF2B5EF4-FFF2-40B4-BE49-F238E27FC236}">
+                    <a16:creationId xmlns:a16="http://schemas.microsoft.com/office/drawing/2014/main" id="{22CAA699-20C9-46D7-894F-FCDEC2CF9DC8}"/>
+                  </a:ext>
+                </a:extLst>
+              </p:cNvPr>
+              <p:cNvSpPr>
+                <a:spLocks noGrp="1" noRot="1" noChangeAspect="1" noMove="1" noResize="1" noEditPoints="1" noAdjustHandles="1" noChangeArrowheads="1" noChangeShapeType="1" noTextEdit="1"/>
+              </p:cNvSpPr>
+              <p:nvPr>
+                <p:ph sz="half" idx="1"/>
+              </p:nvPr>
+            </p:nvSpPr>
+            <p:spPr>
+              <a:blipFill>
+                <a:blip r:embed="rId3"/>
+                <a:stretch>
+                  <a:fillRect l="-2118"/>
+                </a:stretch>
+              </a:blipFill>
+            </p:spPr>
+            <p:txBody>
+              <a:bodyPr/>
+              <a:lstStyle/>
+              <a:p>
+                <a:r>
+                  <a:rPr lang="en-GB">
+                    <a:noFill/>
+                  </a:rPr>
+                  <a:t> </a:t>
+                </a:r>
+              </a:p>
+            </p:txBody>
+          </p:sp>
+        </mc:Fallback>
+      </mc:AlternateContent>
+      <p:pic>
+        <p:nvPicPr>
+          <p:cNvPr id="8" name="Content Placeholder 7" descr="Chart&#10;&#10;Description automatically generated">
+            <a:extLst>
+              <a:ext uri="{FF2B5EF4-FFF2-40B4-BE49-F238E27FC236}">
+                <a16:creationId xmlns:a16="http://schemas.microsoft.com/office/drawing/2014/main" id="{5BEA47CE-2551-46E3-BB56-4B76599E8F97}"/>
+              </a:ext>
+            </a:extLst>
+          </p:cNvPr>
+          <p:cNvPicPr>
+            <a:picLocks noGrp="1" noChangeAspect="1"/>
+          </p:cNvPicPr>
+          <p:nvPr>
+            <p:ph sz="half" idx="2"/>
+          </p:nvPr>
+        </p:nvPicPr>
+        <p:blipFill>
+          <a:blip r:embed="rId4">
+            <a:extLst>
+              <a:ext uri="{28A0092B-C50C-407E-A947-70E740481C1C}">
+                <a14:useLocalDpi xmlns:a14="http://schemas.microsoft.com/office/drawing/2010/main" val="0"/>
+              </a:ext>
+            </a:extLst>
+          </a:blip>
+          <a:stretch>
+            <a:fillRect/>
+          </a:stretch>
+        </p:blipFill>
+        <p:spPr>
+          <a:xfrm>
+            <a:off x="7048374" y="1825625"/>
+            <a:ext cx="3429251" cy="4351338"/>
+          </a:xfrm>
+        </p:spPr>
+      </p:pic>
+    </p:spTree>
+    <p:extLst>
+      <p:ext uri="{BB962C8B-B14F-4D97-AF65-F5344CB8AC3E}">
+        <p14:creationId xmlns:p14="http://schemas.microsoft.com/office/powerpoint/2010/main" val="3828269269"/>
+      </p:ext>
+    </p:extLst>
+  </p:cSld>
+  <p:clrMapOvr>
+    <a:masterClrMapping/>
+  </p:clrMapOvr>
+</p:sld>
+</file>
+
+<file path=ppt/slides/slide25.xml><?xml version="1.0" encoding="utf-8"?>
+<p:sld xmlns:a="http://schemas.openxmlformats.org/drawingml/2006/main" xmlns:r="http://schemas.openxmlformats.org/officeDocument/2006/relationships" xmlns:p="http://schemas.openxmlformats.org/presentationml/2006/main">
+  <p:cSld>
+    <p:spTree>
+      <p:nvGrpSpPr>
+        <p:cNvPr id="1" name=""/>
+        <p:cNvGrpSpPr/>
+        <p:nvPr/>
+      </p:nvGrpSpPr>
+      <p:grpSpPr>
+        <a:xfrm>
+          <a:off x="0" y="0"/>
+          <a:ext cx="0" cy="0"/>
+          <a:chOff x="0" y="0"/>
+          <a:chExt cx="0" cy="0"/>
+        </a:xfrm>
+      </p:grpSpPr>
+      <p:sp>
+        <p:nvSpPr>
+          <p:cNvPr id="2" name="Title 1">
+            <a:extLst>
+              <a:ext uri="{FF2B5EF4-FFF2-40B4-BE49-F238E27FC236}">
+                <a16:creationId xmlns:a16="http://schemas.microsoft.com/office/drawing/2014/main" id="{EA765C4E-ECA8-47FD-A71F-FA0E1B024468}"/>
+              </a:ext>
+            </a:extLst>
+          </p:cNvPr>
+          <p:cNvSpPr>
+            <a:spLocks noGrp="1"/>
+          </p:cNvSpPr>
+          <p:nvPr>
+            <p:ph type="title"/>
+          </p:nvPr>
+        </p:nvSpPr>
+        <p:spPr/>
+        <p:txBody>
+          <a:bodyPr/>
+          <a:lstStyle/>
+          <a:p>
+            <a:r>
+              <a:rPr lang="en-GB" dirty="0"/>
+              <a:t>Chap 3: Resistive phase-mixed Alfvén waves</a:t>
+            </a:r>
+          </a:p>
+        </p:txBody>
+      </p:sp>
+      <mc:AlternateContent xmlns:mc="http://schemas.openxmlformats.org/markup-compatibility/2006">
+        <mc:Choice xmlns:a14="http://schemas.microsoft.com/office/drawing/2010/main" Requires="a14">
+          <p:sp>
+            <p:nvSpPr>
+              <p:cNvPr id="3" name="Content Placeholder 2">
+                <a:extLst>
+                  <a:ext uri="{FF2B5EF4-FFF2-40B4-BE49-F238E27FC236}">
+                    <a16:creationId xmlns:a16="http://schemas.microsoft.com/office/drawing/2014/main" id="{22CAA699-20C9-46D7-894F-FCDEC2CF9DC8}"/>
+                  </a:ext>
+                </a:extLst>
+              </p:cNvPr>
+              <p:cNvSpPr>
+                <a:spLocks noGrp="1"/>
+              </p:cNvSpPr>
+              <p:nvPr>
+                <p:ph sz="half" idx="1"/>
+              </p:nvPr>
+            </p:nvSpPr>
+            <p:spPr/>
+            <p:txBody>
+              <a:bodyPr/>
+              <a:lstStyle/>
+              <a:p>
+                <a14:m>
+                  <m:oMath xmlns:m="http://schemas.openxmlformats.org/officeDocument/2006/math">
+                    <m:r>
+                      <a:rPr lang="en-GB" b="0" i="1" smtClean="0">
+                        <a:latin typeface="Cambria Math" panose="02040503050406030204" pitchFamily="18" charset="0"/>
+                      </a:rPr>
+                      <m:t>𝛾</m:t>
+                    </m:r>
+                    <m:r>
+                      <a:rPr lang="en-GB" b="0" i="1" smtClean="0">
+                        <a:latin typeface="Cambria Math" panose="02040503050406030204" pitchFamily="18" charset="0"/>
+                      </a:rPr>
+                      <m:t>=</m:t>
+                    </m:r>
+                    <m:f>
+                      <m:fPr>
+                        <m:ctrlPr>
+                          <a:rPr lang="en-GB" b="0" i="1" smtClean="0">
+                            <a:latin typeface="Cambria Math" panose="02040503050406030204" pitchFamily="18" charset="0"/>
+                          </a:rPr>
+                        </m:ctrlPr>
+                      </m:fPr>
+                      <m:num>
+                        <m:r>
+                          <m:rPr>
+                            <m:nor/>
+                          </m:rPr>
+                          <a:rPr lang="en-GB" b="0" i="0" smtClean="0">
+                            <a:latin typeface="Cambria Math" panose="02040503050406030204" pitchFamily="18" charset="0"/>
+                          </a:rPr>
+                          <m:t>Heating</m:t>
+                        </m:r>
+                        <m:r>
+                          <m:rPr>
+                            <m:nor/>
+                          </m:rPr>
+                          <a:rPr lang="en-GB" b="0" i="0" smtClean="0">
+                            <a:latin typeface="Cambria Math" panose="02040503050406030204" pitchFamily="18" charset="0"/>
+                          </a:rPr>
+                          <m:t> </m:t>
+                        </m:r>
+                        <m:r>
+                          <m:rPr>
+                            <m:nor/>
+                          </m:rPr>
+                          <a:rPr lang="en-GB" b="0" i="0" smtClean="0">
+                            <a:latin typeface="Cambria Math" panose="02040503050406030204" pitchFamily="18" charset="0"/>
+                          </a:rPr>
+                          <m:t>rate</m:t>
+                        </m:r>
+                      </m:num>
+                      <m:den>
+                        <m:r>
+                          <m:rPr>
+                            <m:nor/>
+                          </m:rPr>
+                          <a:rPr lang="en-GB" b="0" i="0" smtClean="0">
+                            <a:latin typeface="Cambria Math" panose="02040503050406030204" pitchFamily="18" charset="0"/>
+                          </a:rPr>
+                          <m:t>Wave</m:t>
+                        </m:r>
+                        <m:r>
+                          <m:rPr>
+                            <m:nor/>
+                          </m:rPr>
+                          <a:rPr lang="en-GB" b="0" i="0" smtClean="0">
+                            <a:latin typeface="Cambria Math" panose="02040503050406030204" pitchFamily="18" charset="0"/>
+                          </a:rPr>
+                          <m:t> </m:t>
+                        </m:r>
+                        <m:r>
+                          <m:rPr>
+                            <m:nor/>
+                          </m:rPr>
+                          <a:rPr lang="en-GB" b="0" i="0" smtClean="0">
+                            <a:latin typeface="Cambria Math" panose="02040503050406030204" pitchFamily="18" charset="0"/>
+                          </a:rPr>
+                          <m:t>energy</m:t>
+                        </m:r>
+                      </m:den>
+                    </m:f>
+                  </m:oMath>
+                </a14:m>
+                <a:endParaRPr lang="en-GB" dirty="0"/>
+              </a:p>
+              <a:p>
+                <a:r>
+                  <a:rPr lang="en-GB" dirty="0"/>
+                  <a:t>Open loop</a:t>
+                </a:r>
+              </a:p>
+              <a:p>
+                <a:r>
+                  <a:rPr lang="en-GB" dirty="0"/>
+                  <a:t>Closed loop: single harmonic</a:t>
+                </a:r>
+              </a:p>
+              <a:p>
+                <a:r>
+                  <a:rPr lang="en-GB" dirty="0"/>
+                  <a:t>Closed loop: multiple harmonics</a:t>
+                </a:r>
+              </a:p>
+              <a:p>
+                <a:endParaRPr lang="en-GB" dirty="0"/>
+              </a:p>
+            </p:txBody>
+          </p:sp>
+        </mc:Choice>
+        <mc:Fallback>
+          <p:sp>
+            <p:nvSpPr>
+              <p:cNvPr id="3" name="Content Placeholder 2">
+                <a:extLst>
+                  <a:ext uri="{FF2B5EF4-FFF2-40B4-BE49-F238E27FC236}">
+                    <a16:creationId xmlns:a16="http://schemas.microsoft.com/office/drawing/2014/main" id="{22CAA699-20C9-46D7-894F-FCDEC2CF9DC8}"/>
+                  </a:ext>
+                </a:extLst>
+              </p:cNvPr>
+              <p:cNvSpPr>
+                <a:spLocks noGrp="1" noRot="1" noChangeAspect="1" noMove="1" noResize="1" noEditPoints="1" noAdjustHandles="1" noChangeArrowheads="1" noChangeShapeType="1" noTextEdit="1"/>
+              </p:cNvSpPr>
+              <p:nvPr>
+                <p:ph sz="half" idx="1"/>
+              </p:nvPr>
+            </p:nvSpPr>
+            <p:spPr>
+              <a:blipFill>
+                <a:blip r:embed="rId3"/>
+                <a:stretch>
+                  <a:fillRect l="-2118"/>
+                </a:stretch>
+              </a:blipFill>
+            </p:spPr>
+            <p:txBody>
+              <a:bodyPr/>
+              <a:lstStyle/>
+              <a:p>
+                <a:r>
+                  <a:rPr lang="en-GB">
+                    <a:noFill/>
+                  </a:rPr>
+                  <a:t> </a:t>
+                </a:r>
+              </a:p>
+            </p:txBody>
+          </p:sp>
+        </mc:Fallback>
+      </mc:AlternateContent>
+      <p:pic>
+        <p:nvPicPr>
+          <p:cNvPr id="7" name="Content Placeholder 6">
+            <a:extLst>
+              <a:ext uri="{FF2B5EF4-FFF2-40B4-BE49-F238E27FC236}">
+                <a16:creationId xmlns:a16="http://schemas.microsoft.com/office/drawing/2014/main" id="{293B8906-53F6-4526-B0CF-C62778E04E9F}"/>
+              </a:ext>
+            </a:extLst>
+          </p:cNvPr>
+          <p:cNvPicPr>
+            <a:picLocks noGrp="1" noChangeAspect="1"/>
+          </p:cNvPicPr>
+          <p:nvPr>
+            <p:ph sz="half" idx="2"/>
+          </p:nvPr>
+        </p:nvPicPr>
+        <p:blipFill>
+          <a:blip r:embed="rId4"/>
+          <a:stretch>
+            <a:fillRect/>
+          </a:stretch>
+        </p:blipFill>
+        <p:spPr>
+          <a:xfrm>
+            <a:off x="6172200" y="2547009"/>
+            <a:ext cx="5181600" cy="2908570"/>
+          </a:xfrm>
+        </p:spPr>
+      </p:pic>
+    </p:spTree>
+    <p:extLst>
+      <p:ext uri="{BB962C8B-B14F-4D97-AF65-F5344CB8AC3E}">
+        <p14:creationId xmlns:p14="http://schemas.microsoft.com/office/powerpoint/2010/main" val="3490229074"/>
+      </p:ext>
+    </p:extLst>
+  </p:cSld>
+  <p:clrMapOvr>
+    <a:masterClrMapping/>
+  </p:clrMapOvr>
+</p:sld>
+</file>
+
+<file path=ppt/slides/slide26.xml><?xml version="1.0" encoding="utf-8"?>
+<p:sld xmlns:a="http://schemas.openxmlformats.org/drawingml/2006/main" xmlns:r="http://schemas.openxmlformats.org/officeDocument/2006/relationships" xmlns:p="http://schemas.openxmlformats.org/presentationml/2006/main">
+  <p:cSld>
+    <p:spTree>
+      <p:nvGrpSpPr>
+        <p:cNvPr id="1" name=""/>
+        <p:cNvGrpSpPr/>
+        <p:nvPr/>
+      </p:nvGrpSpPr>
+      <p:grpSpPr>
+        <a:xfrm>
+          <a:off x="0" y="0"/>
+          <a:ext cx="0" cy="0"/>
+          <a:chOff x="0" y="0"/>
+          <a:chExt cx="0" cy="0"/>
+        </a:xfrm>
+      </p:grpSpPr>
+      <p:sp>
+        <p:nvSpPr>
+          <p:cNvPr id="2" name="Title 1">
+            <a:extLst>
+              <a:ext uri="{FF2B5EF4-FFF2-40B4-BE49-F238E27FC236}">
+                <a16:creationId xmlns:a16="http://schemas.microsoft.com/office/drawing/2014/main" id="{EA765C4E-ECA8-47FD-A71F-FA0E1B024468}"/>
+              </a:ext>
+            </a:extLst>
+          </p:cNvPr>
+          <p:cNvSpPr>
+            <a:spLocks noGrp="1"/>
+          </p:cNvSpPr>
+          <p:nvPr>
+            <p:ph type="title"/>
+          </p:nvPr>
+        </p:nvSpPr>
+        <p:spPr/>
+        <p:txBody>
+          <a:bodyPr/>
+          <a:lstStyle/>
+          <a:p>
+            <a:r>
+              <a:rPr lang="en-GB" dirty="0"/>
+              <a:t>Chap 3: Resistive phase-mixed Alfvén waves</a:t>
+            </a:r>
+          </a:p>
+        </p:txBody>
+      </p:sp>
+      <mc:AlternateContent xmlns:mc="http://schemas.openxmlformats.org/markup-compatibility/2006">
+        <mc:Choice xmlns:a14="http://schemas.microsoft.com/office/drawing/2010/main" Requires="a14">
+          <p:sp>
+            <p:nvSpPr>
+              <p:cNvPr id="3" name="Content Placeholder 2">
+                <a:extLst>
+                  <a:ext uri="{FF2B5EF4-FFF2-40B4-BE49-F238E27FC236}">
+                    <a16:creationId xmlns:a16="http://schemas.microsoft.com/office/drawing/2014/main" id="{22CAA699-20C9-46D7-894F-FCDEC2CF9DC8}"/>
+                  </a:ext>
+                </a:extLst>
+              </p:cNvPr>
+              <p:cNvSpPr>
+                <a:spLocks noGrp="1"/>
+              </p:cNvSpPr>
+              <p:nvPr>
+                <p:ph sz="half" idx="1"/>
+              </p:nvPr>
+            </p:nvSpPr>
+            <p:spPr/>
+            <p:txBody>
+              <a:bodyPr/>
+              <a:lstStyle/>
+              <a:p>
+                <a14:m>
+                  <m:oMath xmlns:m="http://schemas.openxmlformats.org/officeDocument/2006/math">
+                    <m:r>
+                      <a:rPr lang="en-GB" b="0" i="1" smtClean="0">
+                        <a:latin typeface="Cambria Math" panose="02040503050406030204" pitchFamily="18" charset="0"/>
+                      </a:rPr>
+                      <m:t>𝛾</m:t>
+                    </m:r>
+                    <m:r>
+                      <a:rPr lang="en-GB" b="0" i="1" smtClean="0">
+                        <a:latin typeface="Cambria Math" panose="02040503050406030204" pitchFamily="18" charset="0"/>
+                      </a:rPr>
+                      <m:t>=</m:t>
+                    </m:r>
+                    <m:f>
+                      <m:fPr>
+                        <m:ctrlPr>
+                          <a:rPr lang="en-GB" b="0" i="1" smtClean="0">
+                            <a:latin typeface="Cambria Math" panose="02040503050406030204" pitchFamily="18" charset="0"/>
+                          </a:rPr>
+                        </m:ctrlPr>
+                      </m:fPr>
+                      <m:num>
+                        <m:r>
+                          <m:rPr>
+                            <m:nor/>
+                          </m:rPr>
+                          <a:rPr lang="en-GB" b="0" i="0" smtClean="0">
+                            <a:latin typeface="Cambria Math" panose="02040503050406030204" pitchFamily="18" charset="0"/>
+                          </a:rPr>
+                          <m:t>Heating</m:t>
+                        </m:r>
+                        <m:r>
+                          <m:rPr>
+                            <m:nor/>
+                          </m:rPr>
+                          <a:rPr lang="en-GB" b="0" i="0" smtClean="0">
+                            <a:latin typeface="Cambria Math" panose="02040503050406030204" pitchFamily="18" charset="0"/>
+                          </a:rPr>
+                          <m:t> </m:t>
+                        </m:r>
+                        <m:r>
+                          <m:rPr>
+                            <m:nor/>
+                          </m:rPr>
+                          <a:rPr lang="en-GB" b="0" i="0" smtClean="0">
+                            <a:latin typeface="Cambria Math" panose="02040503050406030204" pitchFamily="18" charset="0"/>
+                          </a:rPr>
+                          <m:t>rate</m:t>
+                        </m:r>
+                      </m:num>
+                      <m:den>
+                        <m:r>
+                          <m:rPr>
+                            <m:nor/>
+                          </m:rPr>
+                          <a:rPr lang="en-GB" b="0" i="0" smtClean="0">
+                            <a:latin typeface="Cambria Math" panose="02040503050406030204" pitchFamily="18" charset="0"/>
+                          </a:rPr>
+                          <m:t>Wave</m:t>
+                        </m:r>
+                        <m:r>
+                          <m:rPr>
+                            <m:nor/>
+                          </m:rPr>
+                          <a:rPr lang="en-GB" b="0" i="0" smtClean="0">
+                            <a:latin typeface="Cambria Math" panose="02040503050406030204" pitchFamily="18" charset="0"/>
+                          </a:rPr>
+                          <m:t> </m:t>
+                        </m:r>
+                        <m:r>
+                          <m:rPr>
+                            <m:nor/>
+                          </m:rPr>
+                          <a:rPr lang="en-GB" b="0" i="0" smtClean="0">
+                            <a:latin typeface="Cambria Math" panose="02040503050406030204" pitchFamily="18" charset="0"/>
+                          </a:rPr>
+                          <m:t>energy</m:t>
+                        </m:r>
+                      </m:den>
+                    </m:f>
+                  </m:oMath>
+                </a14:m>
+                <a:endParaRPr lang="en-GB" dirty="0"/>
+              </a:p>
+              <a:p>
+                <a:r>
+                  <a:rPr lang="en-GB" dirty="0"/>
+                  <a:t>Open loop</a:t>
+                </a:r>
+              </a:p>
+              <a:p>
+                <a:r>
+                  <a:rPr lang="en-GB" dirty="0"/>
+                  <a:t>Closed loop: single harmonic</a:t>
+                </a:r>
+              </a:p>
+              <a:p>
+                <a:r>
+                  <a:rPr lang="en-GB" dirty="0"/>
+                  <a:t>Closed loop: multiple harmonics</a:t>
+                </a:r>
+              </a:p>
+              <a:p>
+                <a:endParaRPr lang="en-GB" dirty="0"/>
+              </a:p>
+            </p:txBody>
+          </p:sp>
+        </mc:Choice>
+        <mc:Fallback>
+          <p:sp>
+            <p:nvSpPr>
+              <p:cNvPr id="3" name="Content Placeholder 2">
+                <a:extLst>
+                  <a:ext uri="{FF2B5EF4-FFF2-40B4-BE49-F238E27FC236}">
+                    <a16:creationId xmlns:a16="http://schemas.microsoft.com/office/drawing/2014/main" id="{22CAA699-20C9-46D7-894F-FCDEC2CF9DC8}"/>
+                  </a:ext>
+                </a:extLst>
+              </p:cNvPr>
+              <p:cNvSpPr>
+                <a:spLocks noGrp="1" noRot="1" noChangeAspect="1" noMove="1" noResize="1" noEditPoints="1" noAdjustHandles="1" noChangeArrowheads="1" noChangeShapeType="1" noTextEdit="1"/>
+              </p:cNvSpPr>
+              <p:nvPr>
+                <p:ph sz="half" idx="1"/>
+              </p:nvPr>
+            </p:nvSpPr>
+            <p:spPr>
+              <a:blipFill>
+                <a:blip r:embed="rId3"/>
+                <a:stretch>
+                  <a:fillRect l="-2118"/>
+                </a:stretch>
+              </a:blipFill>
+            </p:spPr>
+            <p:txBody>
+              <a:bodyPr/>
+              <a:lstStyle/>
+              <a:p>
+                <a:r>
+                  <a:rPr lang="en-GB">
+                    <a:noFill/>
+                  </a:rPr>
+                  <a:t> </a:t>
+                </a:r>
+              </a:p>
+            </p:txBody>
+          </p:sp>
+        </mc:Fallback>
+      </mc:AlternateContent>
+      <p:pic>
+        <p:nvPicPr>
+          <p:cNvPr id="7" name="Content Placeholder 6">
+            <a:extLst>
+              <a:ext uri="{FF2B5EF4-FFF2-40B4-BE49-F238E27FC236}">
+                <a16:creationId xmlns:a16="http://schemas.microsoft.com/office/drawing/2014/main" id="{293B8906-53F6-4526-B0CF-C62778E04E9F}"/>
+              </a:ext>
+            </a:extLst>
+          </p:cNvPr>
+          <p:cNvPicPr>
+            <a:picLocks noGrp="1" noChangeAspect="1"/>
+          </p:cNvPicPr>
+          <p:nvPr>
+            <p:ph sz="half" idx="2"/>
+          </p:nvPr>
+        </p:nvPicPr>
+        <p:blipFill>
+          <a:blip r:embed="rId4"/>
+          <a:stretch>
+            <a:fillRect/>
+          </a:stretch>
+        </p:blipFill>
+        <p:spPr>
+          <a:xfrm>
+            <a:off x="6172200" y="2547009"/>
+            <a:ext cx="5181600" cy="2908570"/>
+          </a:xfrm>
+        </p:spPr>
+      </p:pic>
+    </p:spTree>
+    <p:extLst>
+      <p:ext uri="{BB962C8B-B14F-4D97-AF65-F5344CB8AC3E}">
+        <p14:creationId xmlns:p14="http://schemas.microsoft.com/office/powerpoint/2010/main" val="1412629976"/>
+      </p:ext>
+    </p:extLst>
+  </p:cSld>
+  <p:clrMapOvr>
+    <a:masterClrMapping/>
+  </p:clrMapOvr>
+</p:sld>
+</file>
+
+<file path=ppt/slides/slide27.xml><?xml version="1.0" encoding="utf-8"?>
+<p:sld xmlns:a="http://schemas.openxmlformats.org/drawingml/2006/main" xmlns:r="http://schemas.openxmlformats.org/officeDocument/2006/relationships" xmlns:p="http://schemas.openxmlformats.org/presentationml/2006/main">
+  <p:cSld>
+    <p:spTree>
+      <p:nvGrpSpPr>
+        <p:cNvPr id="1" name=""/>
+        <p:cNvGrpSpPr/>
+        <p:nvPr/>
+      </p:nvGrpSpPr>
+      <p:grpSpPr>
+        <a:xfrm>
+          <a:off x="0" y="0"/>
+          <a:ext cx="0" cy="0"/>
+          <a:chOff x="0" y="0"/>
+          <a:chExt cx="0" cy="0"/>
+        </a:xfrm>
+      </p:grpSpPr>
+      <p:sp>
+        <p:nvSpPr>
+          <p:cNvPr id="2" name="Title 1">
+            <a:extLst>
+              <a:ext uri="{FF2B5EF4-FFF2-40B4-BE49-F238E27FC236}">
+                <a16:creationId xmlns:a16="http://schemas.microsoft.com/office/drawing/2014/main" id="{EA765C4E-ECA8-47FD-A71F-FA0E1B024468}"/>
+              </a:ext>
+            </a:extLst>
+          </p:cNvPr>
+          <p:cNvSpPr>
+            <a:spLocks noGrp="1"/>
+          </p:cNvSpPr>
+          <p:nvPr>
+            <p:ph type="title"/>
+          </p:nvPr>
+        </p:nvSpPr>
+        <p:spPr/>
+        <p:txBody>
+          <a:bodyPr/>
+          <a:lstStyle/>
+          <a:p>
+            <a:r>
+              <a:rPr lang="en-GB" dirty="0"/>
+              <a:t>Chap 3: Resistive phase-mixed Alfvén waves</a:t>
+            </a:r>
+          </a:p>
+        </p:txBody>
+      </p:sp>
+      <mc:AlternateContent xmlns:mc="http://schemas.openxmlformats.org/markup-compatibility/2006">
+        <mc:Choice xmlns:a14="http://schemas.microsoft.com/office/drawing/2010/main" Requires="a14">
+          <p:sp>
+            <p:nvSpPr>
+              <p:cNvPr id="3" name="Content Placeholder 2">
+                <a:extLst>
+                  <a:ext uri="{FF2B5EF4-FFF2-40B4-BE49-F238E27FC236}">
+                    <a16:creationId xmlns:a16="http://schemas.microsoft.com/office/drawing/2014/main" id="{22CAA699-20C9-46D7-894F-FCDEC2CF9DC8}"/>
+                  </a:ext>
+                </a:extLst>
+              </p:cNvPr>
+              <p:cNvSpPr>
+                <a:spLocks noGrp="1"/>
+              </p:cNvSpPr>
+              <p:nvPr>
+                <p:ph sz="half" idx="1"/>
+              </p:nvPr>
+            </p:nvSpPr>
+            <p:spPr/>
+            <p:txBody>
+              <a:bodyPr/>
+              <a:lstStyle/>
+              <a:p>
+                <a14:m>
+                  <m:oMath xmlns:m="http://schemas.openxmlformats.org/officeDocument/2006/math">
+                    <m:r>
+                      <a:rPr lang="en-GB" b="0" i="1" smtClean="0">
+                        <a:latin typeface="Cambria Math" panose="02040503050406030204" pitchFamily="18" charset="0"/>
+                      </a:rPr>
+                      <m:t>𝛾</m:t>
+                    </m:r>
+                    <m:r>
+                      <a:rPr lang="en-GB" b="0" i="1" smtClean="0">
+                        <a:latin typeface="Cambria Math" panose="02040503050406030204" pitchFamily="18" charset="0"/>
+                      </a:rPr>
+                      <m:t>=</m:t>
+                    </m:r>
+                    <m:f>
+                      <m:fPr>
+                        <m:ctrlPr>
+                          <a:rPr lang="en-GB" b="0" i="1" smtClean="0">
+                            <a:latin typeface="Cambria Math" panose="02040503050406030204" pitchFamily="18" charset="0"/>
+                          </a:rPr>
+                        </m:ctrlPr>
+                      </m:fPr>
+                      <m:num>
+                        <m:r>
+                          <m:rPr>
+                            <m:nor/>
+                          </m:rPr>
+                          <a:rPr lang="en-GB" b="0" i="0" smtClean="0">
+                            <a:latin typeface="Cambria Math" panose="02040503050406030204" pitchFamily="18" charset="0"/>
+                          </a:rPr>
+                          <m:t>Heating</m:t>
+                        </m:r>
+                        <m:r>
+                          <m:rPr>
+                            <m:nor/>
+                          </m:rPr>
+                          <a:rPr lang="en-GB" b="0" i="0" smtClean="0">
+                            <a:latin typeface="Cambria Math" panose="02040503050406030204" pitchFamily="18" charset="0"/>
+                          </a:rPr>
+                          <m:t> </m:t>
+                        </m:r>
+                        <m:r>
+                          <m:rPr>
+                            <m:nor/>
+                          </m:rPr>
+                          <a:rPr lang="en-GB" b="0" i="0" smtClean="0">
+                            <a:latin typeface="Cambria Math" panose="02040503050406030204" pitchFamily="18" charset="0"/>
+                          </a:rPr>
+                          <m:t>rate</m:t>
+                        </m:r>
+                      </m:num>
+                      <m:den>
+                        <m:r>
+                          <m:rPr>
+                            <m:nor/>
+                          </m:rPr>
+                          <a:rPr lang="en-GB" b="0" i="0" smtClean="0">
+                            <a:latin typeface="Cambria Math" panose="02040503050406030204" pitchFamily="18" charset="0"/>
+                          </a:rPr>
+                          <m:t>Wave</m:t>
+                        </m:r>
+                        <m:r>
+                          <m:rPr>
+                            <m:nor/>
+                          </m:rPr>
+                          <a:rPr lang="en-GB" b="0" i="0" smtClean="0">
+                            <a:latin typeface="Cambria Math" panose="02040503050406030204" pitchFamily="18" charset="0"/>
+                          </a:rPr>
+                          <m:t> </m:t>
+                        </m:r>
+                        <m:r>
+                          <m:rPr>
+                            <m:nor/>
+                          </m:rPr>
+                          <a:rPr lang="en-GB" b="0" i="0" smtClean="0">
+                            <a:latin typeface="Cambria Math" panose="02040503050406030204" pitchFamily="18" charset="0"/>
+                          </a:rPr>
+                          <m:t>energy</m:t>
+                        </m:r>
+                      </m:den>
+                    </m:f>
+                  </m:oMath>
+                </a14:m>
+                <a:endParaRPr lang="en-GB" dirty="0"/>
+              </a:p>
+              <a:p>
+                <a:r>
+                  <a:rPr lang="en-GB" dirty="0"/>
+                  <a:t>Open loop</a:t>
+                </a:r>
+              </a:p>
+              <a:p>
+                <a:r>
+                  <a:rPr lang="en-GB" dirty="0"/>
+                  <a:t>Closed loop: single harmonic</a:t>
+                </a:r>
+              </a:p>
+              <a:p>
+                <a:r>
+                  <a:rPr lang="en-GB" dirty="0"/>
+                  <a:t>Closed loop: multiple harmonics</a:t>
+                </a:r>
+              </a:p>
+              <a:p>
+                <a:r>
+                  <a:rPr lang="en-GB" dirty="0"/>
+                  <a:t>Leaky loop</a:t>
+                </a:r>
+              </a:p>
+              <a:p>
+                <a:endParaRPr lang="en-GB" dirty="0"/>
+              </a:p>
+            </p:txBody>
+          </p:sp>
+        </mc:Choice>
+        <mc:Fallback>
+          <p:sp>
+            <p:nvSpPr>
+              <p:cNvPr id="3" name="Content Placeholder 2">
+                <a:extLst>
+                  <a:ext uri="{FF2B5EF4-FFF2-40B4-BE49-F238E27FC236}">
+                    <a16:creationId xmlns:a16="http://schemas.microsoft.com/office/drawing/2014/main" id="{22CAA699-20C9-46D7-894F-FCDEC2CF9DC8}"/>
+                  </a:ext>
+                </a:extLst>
+              </p:cNvPr>
+              <p:cNvSpPr>
+                <a:spLocks noGrp="1" noRot="1" noChangeAspect="1" noMove="1" noResize="1" noEditPoints="1" noAdjustHandles="1" noChangeArrowheads="1" noChangeShapeType="1" noTextEdit="1"/>
+              </p:cNvSpPr>
+              <p:nvPr>
+                <p:ph sz="half" idx="1"/>
+              </p:nvPr>
+            </p:nvSpPr>
+            <p:spPr>
+              <a:blipFill>
+                <a:blip r:embed="rId3"/>
+                <a:stretch>
+                  <a:fillRect l="-2118"/>
+                </a:stretch>
+              </a:blipFill>
+            </p:spPr>
+            <p:txBody>
+              <a:bodyPr/>
+              <a:lstStyle/>
+              <a:p>
+                <a:r>
+                  <a:rPr lang="en-GB">
+                    <a:noFill/>
+                  </a:rPr>
+                  <a:t> </a:t>
+                </a:r>
+              </a:p>
+            </p:txBody>
+          </p:sp>
+        </mc:Fallback>
+      </mc:AlternateContent>
+      <p:pic>
+        <p:nvPicPr>
+          <p:cNvPr id="8" name="Content Placeholder 7">
+            <a:extLst>
+              <a:ext uri="{FF2B5EF4-FFF2-40B4-BE49-F238E27FC236}">
+                <a16:creationId xmlns:a16="http://schemas.microsoft.com/office/drawing/2014/main" id="{EE770DC4-3392-41D2-B90B-225BA005D382}"/>
+              </a:ext>
+            </a:extLst>
+          </p:cNvPr>
+          <p:cNvPicPr>
+            <a:picLocks noGrp="1" noChangeAspect="1"/>
+          </p:cNvPicPr>
+          <p:nvPr>
+            <p:ph sz="half" idx="2"/>
+          </p:nvPr>
+        </p:nvPicPr>
+        <p:blipFill>
+          <a:blip r:embed="rId4"/>
+          <a:stretch>
+            <a:fillRect/>
+          </a:stretch>
+        </p:blipFill>
+        <p:spPr>
+          <a:xfrm>
+            <a:off x="6172200" y="2431112"/>
+            <a:ext cx="5181600" cy="3140363"/>
+          </a:xfrm>
+        </p:spPr>
+      </p:pic>
+    </p:spTree>
+    <p:extLst>
+      <p:ext uri="{BB962C8B-B14F-4D97-AF65-F5344CB8AC3E}">
+        <p14:creationId xmlns:p14="http://schemas.microsoft.com/office/powerpoint/2010/main" val="2298902491"/>
+      </p:ext>
+    </p:extLst>
+  </p:cSld>
+  <p:clrMapOvr>
+    <a:masterClrMapping/>
+  </p:clrMapOvr>
+</p:sld>
+</file>
+
+<file path=ppt/slides/slide28.xml><?xml version="1.0" encoding="utf-8"?>
+<p:sld xmlns:a="http://schemas.openxmlformats.org/drawingml/2006/main" xmlns:r="http://schemas.openxmlformats.org/officeDocument/2006/relationships" xmlns:p="http://schemas.openxmlformats.org/presentationml/2006/main">
+  <p:cSld>
+    <p:spTree>
+      <p:nvGrpSpPr>
+        <p:cNvPr id="1" name=""/>
+        <p:cNvGrpSpPr/>
+        <p:nvPr/>
+      </p:nvGrpSpPr>
+      <p:grpSpPr>
+        <a:xfrm>
+          <a:off x="0" y="0"/>
+          <a:ext cx="0" cy="0"/>
+          <a:chOff x="0" y="0"/>
+          <a:chExt cx="0" cy="0"/>
+        </a:xfrm>
+      </p:grpSpPr>
+      <p:sp>
+        <p:nvSpPr>
+          <p:cNvPr id="2" name="Title 1">
+            <a:extLst>
+              <a:ext uri="{FF2B5EF4-FFF2-40B4-BE49-F238E27FC236}">
+                <a16:creationId xmlns:a16="http://schemas.microsoft.com/office/drawing/2014/main" id="{EA765C4E-ECA8-47FD-A71F-FA0E1B024468}"/>
+              </a:ext>
+            </a:extLst>
+          </p:cNvPr>
+          <p:cNvSpPr>
+            <a:spLocks noGrp="1"/>
+          </p:cNvSpPr>
+          <p:nvPr>
+            <p:ph type="title"/>
+          </p:nvPr>
+        </p:nvSpPr>
+        <p:spPr/>
+        <p:txBody>
+          <a:bodyPr/>
+          <a:lstStyle/>
+          <a:p>
+            <a:r>
+              <a:rPr lang="en-GB" dirty="0"/>
+              <a:t>Chap 3: Resistive phase-mixed Alfvén waves</a:t>
+            </a:r>
+          </a:p>
+        </p:txBody>
+      </p:sp>
+      <mc:AlternateContent xmlns:mc="http://schemas.openxmlformats.org/markup-compatibility/2006">
+        <mc:Choice xmlns:a14="http://schemas.microsoft.com/office/drawing/2010/main" Requires="a14">
+          <p:sp>
+            <p:nvSpPr>
+              <p:cNvPr id="3" name="Content Placeholder 2">
+                <a:extLst>
+                  <a:ext uri="{FF2B5EF4-FFF2-40B4-BE49-F238E27FC236}">
+                    <a16:creationId xmlns:a16="http://schemas.microsoft.com/office/drawing/2014/main" id="{22CAA699-20C9-46D7-894F-FCDEC2CF9DC8}"/>
+                  </a:ext>
+                </a:extLst>
+              </p:cNvPr>
+              <p:cNvSpPr>
+                <a:spLocks noGrp="1"/>
+              </p:cNvSpPr>
+              <p:nvPr>
+                <p:ph sz="half" idx="1"/>
+              </p:nvPr>
+            </p:nvSpPr>
+            <p:spPr/>
+            <p:txBody>
+              <a:bodyPr/>
+              <a:lstStyle/>
+              <a:p>
+                <a14:m>
+                  <m:oMath xmlns:m="http://schemas.openxmlformats.org/officeDocument/2006/math">
+                    <m:r>
+                      <a:rPr lang="en-GB" b="0" i="1" smtClean="0">
+                        <a:latin typeface="Cambria Math" panose="02040503050406030204" pitchFamily="18" charset="0"/>
+                      </a:rPr>
+                      <m:t>𝛾</m:t>
+                    </m:r>
+                    <m:r>
+                      <a:rPr lang="en-GB" b="0" i="1" smtClean="0">
+                        <a:latin typeface="Cambria Math" panose="02040503050406030204" pitchFamily="18" charset="0"/>
+                      </a:rPr>
+                      <m:t>=</m:t>
+                    </m:r>
+                    <m:f>
+                      <m:fPr>
+                        <m:ctrlPr>
+                          <a:rPr lang="en-GB" b="0" i="1" smtClean="0">
+                            <a:latin typeface="Cambria Math" panose="02040503050406030204" pitchFamily="18" charset="0"/>
+                          </a:rPr>
+                        </m:ctrlPr>
+                      </m:fPr>
+                      <m:num>
+                        <m:r>
+                          <m:rPr>
+                            <m:nor/>
+                          </m:rPr>
+                          <a:rPr lang="en-GB" b="0" i="0" smtClean="0">
+                            <a:latin typeface="Cambria Math" panose="02040503050406030204" pitchFamily="18" charset="0"/>
+                          </a:rPr>
+                          <m:t>Heating</m:t>
+                        </m:r>
+                        <m:r>
+                          <m:rPr>
+                            <m:nor/>
+                          </m:rPr>
+                          <a:rPr lang="en-GB" b="0" i="0" smtClean="0">
+                            <a:latin typeface="Cambria Math" panose="02040503050406030204" pitchFamily="18" charset="0"/>
+                          </a:rPr>
+                          <m:t> </m:t>
+                        </m:r>
+                        <m:r>
+                          <m:rPr>
+                            <m:nor/>
+                          </m:rPr>
+                          <a:rPr lang="en-GB" b="0" i="0" smtClean="0">
+                            <a:latin typeface="Cambria Math" panose="02040503050406030204" pitchFamily="18" charset="0"/>
+                          </a:rPr>
+                          <m:t>rate</m:t>
+                        </m:r>
+                      </m:num>
+                      <m:den>
+                        <m:r>
+                          <m:rPr>
+                            <m:nor/>
+                          </m:rPr>
+                          <a:rPr lang="en-GB" b="0" i="0" smtClean="0">
+                            <a:latin typeface="Cambria Math" panose="02040503050406030204" pitchFamily="18" charset="0"/>
+                          </a:rPr>
+                          <m:t>Wave</m:t>
+                        </m:r>
+                        <m:r>
+                          <m:rPr>
+                            <m:nor/>
+                          </m:rPr>
+                          <a:rPr lang="en-GB" b="0" i="0" smtClean="0">
+                            <a:latin typeface="Cambria Math" panose="02040503050406030204" pitchFamily="18" charset="0"/>
+                          </a:rPr>
+                          <m:t> </m:t>
+                        </m:r>
+                        <m:r>
+                          <m:rPr>
+                            <m:nor/>
+                          </m:rPr>
+                          <a:rPr lang="en-GB" b="0" i="0" smtClean="0">
+                            <a:latin typeface="Cambria Math" panose="02040503050406030204" pitchFamily="18" charset="0"/>
+                          </a:rPr>
+                          <m:t>energy</m:t>
+                        </m:r>
+                      </m:den>
+                    </m:f>
+                  </m:oMath>
+                </a14:m>
+                <a:endParaRPr lang="en-GB" dirty="0"/>
+              </a:p>
+              <a:p>
+                <a:r>
+                  <a:rPr lang="en-GB" dirty="0"/>
+                  <a:t>Open loop</a:t>
+                </a:r>
+              </a:p>
+              <a:p>
+                <a:r>
+                  <a:rPr lang="en-GB" dirty="0"/>
+                  <a:t>Closed loop: single harmonic</a:t>
+                </a:r>
+              </a:p>
+              <a:p>
+                <a:r>
+                  <a:rPr lang="en-GB" dirty="0"/>
+                  <a:t>Closed loop: multiple harmonics</a:t>
                 </a:r>
               </a:p>
               <a:p>
@@ -9453,7 +12329,7 @@
 </p:sld>
 </file>
 
-<file path=ppt/slides/slide21.xml><?xml version="1.0" encoding="utf-8"?>
+<file path=ppt/slides/slide29.xml><?xml version="1.0" encoding="utf-8"?>
 <p:sld xmlns:a="http://schemas.openxmlformats.org/drawingml/2006/main" xmlns:r="http://schemas.openxmlformats.org/officeDocument/2006/relationships" xmlns:p="http://schemas.openxmlformats.org/presentationml/2006/main">
   <p:cSld>
     <p:spTree>
@@ -9549,121 +12425,6 @@
     <p:extLst>
       <p:ext uri="{BB962C8B-B14F-4D97-AF65-F5344CB8AC3E}">
         <p14:creationId xmlns:p14="http://schemas.microsoft.com/office/powerpoint/2010/main" val="1670891479"/>
-      </p:ext>
-    </p:extLst>
-  </p:cSld>
-  <p:clrMapOvr>
-    <a:masterClrMapping/>
-  </p:clrMapOvr>
-</p:sld>
-</file>
-
-<file path=ppt/slides/slide22.xml><?xml version="1.0" encoding="utf-8"?>
-<p:sld xmlns:a="http://schemas.openxmlformats.org/drawingml/2006/main" xmlns:r="http://schemas.openxmlformats.org/officeDocument/2006/relationships" xmlns:p="http://schemas.openxmlformats.org/presentationml/2006/main">
-  <p:cSld>
-    <p:spTree>
-      <p:nvGrpSpPr>
-        <p:cNvPr id="1" name=""/>
-        <p:cNvGrpSpPr/>
-        <p:nvPr/>
-      </p:nvGrpSpPr>
-      <p:grpSpPr>
-        <a:xfrm>
-          <a:off x="0" y="0"/>
-          <a:ext cx="0" cy="0"/>
-          <a:chOff x="0" y="0"/>
-          <a:chExt cx="0" cy="0"/>
-        </a:xfrm>
-      </p:grpSpPr>
-      <p:sp>
-        <p:nvSpPr>
-          <p:cNvPr id="21" name="Title 20">
-            <a:extLst>
-              <a:ext uri="{FF2B5EF4-FFF2-40B4-BE49-F238E27FC236}">
-                <a16:creationId xmlns:a16="http://schemas.microsoft.com/office/drawing/2014/main" id="{92D2E2E1-F0FC-443D-A134-B28E387D7E2A}"/>
-              </a:ext>
-            </a:extLst>
-          </p:cNvPr>
-          <p:cNvSpPr>
-            <a:spLocks noGrp="1"/>
-          </p:cNvSpPr>
-          <p:nvPr>
-            <p:ph type="title"/>
-          </p:nvPr>
-        </p:nvSpPr>
-        <p:spPr/>
-        <p:txBody>
-          <a:bodyPr/>
-          <a:lstStyle/>
-          <a:p>
-            <a:endParaRPr lang="en-GB"/>
-          </a:p>
-        </p:txBody>
-      </p:sp>
-      <p:sp>
-        <p:nvSpPr>
-          <p:cNvPr id="22" name="Content Placeholder 21">
-            <a:extLst>
-              <a:ext uri="{FF2B5EF4-FFF2-40B4-BE49-F238E27FC236}">
-                <a16:creationId xmlns:a16="http://schemas.microsoft.com/office/drawing/2014/main" id="{7B3FE8D0-4374-4982-ABFF-952B4F6A1E76}"/>
-              </a:ext>
-            </a:extLst>
-          </p:cNvPr>
-          <p:cNvSpPr>
-            <a:spLocks noGrp="1"/>
-          </p:cNvSpPr>
-          <p:nvPr>
-            <p:ph sz="half" idx="1"/>
-          </p:nvPr>
-        </p:nvSpPr>
-        <p:spPr/>
-        <p:txBody>
-          <a:bodyPr/>
-          <a:lstStyle/>
-          <a:p>
-            <a:endParaRPr lang="en-GB"/>
-          </a:p>
-        </p:txBody>
-      </p:sp>
-      <p:pic>
-        <p:nvPicPr>
-          <p:cNvPr id="37" name="Content Placeholder 36" descr="Graphical user interface, chart, diagram, histogram&#10;&#10;Description automatically generated">
-            <a:extLst>
-              <a:ext uri="{FF2B5EF4-FFF2-40B4-BE49-F238E27FC236}">
-                <a16:creationId xmlns:a16="http://schemas.microsoft.com/office/drawing/2014/main" id="{A651CAEE-F08F-42E6-A5DC-7C12BA94F6D6}"/>
-              </a:ext>
-            </a:extLst>
-          </p:cNvPr>
-          <p:cNvPicPr>
-            <a:picLocks noGrp="1" noChangeAspect="1"/>
-          </p:cNvPicPr>
-          <p:nvPr>
-            <p:ph sz="half" idx="2"/>
-          </p:nvPr>
-        </p:nvPicPr>
-        <p:blipFill>
-          <a:blip r:embed="rId2">
-            <a:extLst>
-              <a:ext uri="{28A0092B-C50C-407E-A947-70E740481C1C}">
-                <a14:useLocalDpi xmlns:a14="http://schemas.microsoft.com/office/drawing/2010/main" val="0"/>
-              </a:ext>
-            </a:extLst>
-          </a:blip>
-          <a:stretch>
-            <a:fillRect/>
-          </a:stretch>
-        </p:blipFill>
-        <p:spPr>
-          <a:xfrm>
-            <a:off x="7263639" y="1825625"/>
-            <a:ext cx="2998722" cy="4351338"/>
-          </a:xfrm>
-        </p:spPr>
-      </p:pic>
-    </p:spTree>
-    <p:extLst>
-      <p:ext uri="{BB962C8B-B14F-4D97-AF65-F5344CB8AC3E}">
-        <p14:creationId xmlns:p14="http://schemas.microsoft.com/office/powerpoint/2010/main" val="3284542335"/>
       </p:ext>
     </p:extLst>
   </p:cSld>
@@ -9775,6 +12536,121 @@
     <p:extLst>
       <p:ext uri="{BB962C8B-B14F-4D97-AF65-F5344CB8AC3E}">
         <p14:creationId xmlns:p14="http://schemas.microsoft.com/office/powerpoint/2010/main" val="2867765741"/>
+      </p:ext>
+    </p:extLst>
+  </p:cSld>
+  <p:clrMapOvr>
+    <a:masterClrMapping/>
+  </p:clrMapOvr>
+</p:sld>
+</file>
+
+<file path=ppt/slides/slide30.xml><?xml version="1.0" encoding="utf-8"?>
+<p:sld xmlns:a="http://schemas.openxmlformats.org/drawingml/2006/main" xmlns:r="http://schemas.openxmlformats.org/officeDocument/2006/relationships" xmlns:p="http://schemas.openxmlformats.org/presentationml/2006/main">
+  <p:cSld>
+    <p:spTree>
+      <p:nvGrpSpPr>
+        <p:cNvPr id="1" name=""/>
+        <p:cNvGrpSpPr/>
+        <p:nvPr/>
+      </p:nvGrpSpPr>
+      <p:grpSpPr>
+        <a:xfrm>
+          <a:off x="0" y="0"/>
+          <a:ext cx="0" cy="0"/>
+          <a:chOff x="0" y="0"/>
+          <a:chExt cx="0" cy="0"/>
+        </a:xfrm>
+      </p:grpSpPr>
+      <p:sp>
+        <p:nvSpPr>
+          <p:cNvPr id="21" name="Title 20">
+            <a:extLst>
+              <a:ext uri="{FF2B5EF4-FFF2-40B4-BE49-F238E27FC236}">
+                <a16:creationId xmlns:a16="http://schemas.microsoft.com/office/drawing/2014/main" id="{92D2E2E1-F0FC-443D-A134-B28E387D7E2A}"/>
+              </a:ext>
+            </a:extLst>
+          </p:cNvPr>
+          <p:cNvSpPr>
+            <a:spLocks noGrp="1"/>
+          </p:cNvSpPr>
+          <p:nvPr>
+            <p:ph type="title"/>
+          </p:nvPr>
+        </p:nvSpPr>
+        <p:spPr/>
+        <p:txBody>
+          <a:bodyPr/>
+          <a:lstStyle/>
+          <a:p>
+            <a:endParaRPr lang="en-GB"/>
+          </a:p>
+        </p:txBody>
+      </p:sp>
+      <p:sp>
+        <p:nvSpPr>
+          <p:cNvPr id="22" name="Content Placeholder 21">
+            <a:extLst>
+              <a:ext uri="{FF2B5EF4-FFF2-40B4-BE49-F238E27FC236}">
+                <a16:creationId xmlns:a16="http://schemas.microsoft.com/office/drawing/2014/main" id="{7B3FE8D0-4374-4982-ABFF-952B4F6A1E76}"/>
+              </a:ext>
+            </a:extLst>
+          </p:cNvPr>
+          <p:cNvSpPr>
+            <a:spLocks noGrp="1"/>
+          </p:cNvSpPr>
+          <p:nvPr>
+            <p:ph sz="half" idx="1"/>
+          </p:nvPr>
+        </p:nvSpPr>
+        <p:spPr/>
+        <p:txBody>
+          <a:bodyPr/>
+          <a:lstStyle/>
+          <a:p>
+            <a:endParaRPr lang="en-GB"/>
+          </a:p>
+        </p:txBody>
+      </p:sp>
+      <p:pic>
+        <p:nvPicPr>
+          <p:cNvPr id="37" name="Content Placeholder 36" descr="Graphical user interface, chart, diagram, histogram&#10;&#10;Description automatically generated">
+            <a:extLst>
+              <a:ext uri="{FF2B5EF4-FFF2-40B4-BE49-F238E27FC236}">
+                <a16:creationId xmlns:a16="http://schemas.microsoft.com/office/drawing/2014/main" id="{A651CAEE-F08F-42E6-A5DC-7C12BA94F6D6}"/>
+              </a:ext>
+            </a:extLst>
+          </p:cNvPr>
+          <p:cNvPicPr>
+            <a:picLocks noGrp="1" noChangeAspect="1"/>
+          </p:cNvPicPr>
+          <p:nvPr>
+            <p:ph sz="half" idx="2"/>
+          </p:nvPr>
+        </p:nvPicPr>
+        <p:blipFill>
+          <a:blip r:embed="rId2">
+            <a:extLst>
+              <a:ext uri="{28A0092B-C50C-407E-A947-70E740481C1C}">
+                <a14:useLocalDpi xmlns:a14="http://schemas.microsoft.com/office/drawing/2010/main" val="0"/>
+              </a:ext>
+            </a:extLst>
+          </a:blip>
+          <a:stretch>
+            <a:fillRect/>
+          </a:stretch>
+        </p:blipFill>
+        <p:spPr>
+          <a:xfrm>
+            <a:off x="7263639" y="1825625"/>
+            <a:ext cx="2998722" cy="4351338"/>
+          </a:xfrm>
+        </p:spPr>
+      </p:pic>
+    </p:spTree>
+    <p:extLst>
+      <p:ext uri="{BB962C8B-B14F-4D97-AF65-F5344CB8AC3E}">
+        <p14:creationId xmlns:p14="http://schemas.microsoft.com/office/powerpoint/2010/main" val="3284542335"/>
       </p:ext>
     </p:extLst>
   </p:cSld>
@@ -10123,8 +12999,8 @@
           </a:p>
         </p:txBody>
       </p:sp>
-      <mc:AlternateContent xmlns:mc="http://schemas.openxmlformats.org/markup-compatibility/2006">
-        <mc:Choice xmlns:a14="http://schemas.microsoft.com/office/drawing/2010/main" Requires="a14">
+      <mc:AlternateContent xmlns:mc="http://schemas.openxmlformats.org/markup-compatibility/2006" xmlns:a14="http://schemas.microsoft.com/office/drawing/2010/main">
+        <mc:Choice Requires="a14">
           <p:sp>
             <p:nvSpPr>
               <p:cNvPr id="4" name="Content Placeholder 3">
@@ -10447,7 +13323,7 @@
             </p:txBody>
           </p:sp>
         </mc:Choice>
-        <mc:Fallback>
+        <mc:Fallback xmlns="">
           <p:sp>
             <p:nvSpPr>
               <p:cNvPr id="4" name="Content Placeholder 3">
@@ -10887,8 +13763,8 @@
           </a:p>
         </p:txBody>
       </p:sp>
-      <mc:AlternateContent xmlns:mc="http://schemas.openxmlformats.org/markup-compatibility/2006">
-        <mc:Choice xmlns:a14="http://schemas.microsoft.com/office/drawing/2010/main" Requires="a14">
+      <mc:AlternateContent xmlns:mc="http://schemas.openxmlformats.org/markup-compatibility/2006" xmlns:a14="http://schemas.microsoft.com/office/drawing/2010/main">
+        <mc:Choice Requires="a14">
           <p:sp>
             <p:nvSpPr>
               <p:cNvPr id="4" name="Content Placeholder 3">
@@ -11249,7 +14125,7 @@
             </p:txBody>
           </p:sp>
         </mc:Choice>
-        <mc:Fallback>
+        <mc:Fallback xmlns="">
           <p:sp>
             <p:nvSpPr>
               <p:cNvPr id="4" name="Content Placeholder 3">

--- a/Presentation/thesis_overview_v2.pptx
+++ b/Presentation/thesis_overview_v2.pptx
@@ -5,7 +5,7 @@
     <p:sldMasterId id="2147483648" r:id="rId1"/>
   </p:sldMasterIdLst>
   <p:notesMasterIdLst>
-    <p:notesMasterId r:id="rId32"/>
+    <p:notesMasterId r:id="rId31"/>
   </p:notesMasterIdLst>
   <p:sldIdLst>
     <p:sldId id="256" r:id="rId2"/>
@@ -33,11 +33,10 @@
     <p:sldId id="297" r:id="rId24"/>
     <p:sldId id="298" r:id="rId25"/>
     <p:sldId id="299" r:id="rId26"/>
-    <p:sldId id="300" r:id="rId27"/>
-    <p:sldId id="301" r:id="rId28"/>
-    <p:sldId id="292" r:id="rId29"/>
-    <p:sldId id="285" r:id="rId30"/>
-    <p:sldId id="279" r:id="rId31"/>
+    <p:sldId id="301" r:id="rId27"/>
+    <p:sldId id="292" r:id="rId28"/>
+    <p:sldId id="285" r:id="rId29"/>
+    <p:sldId id="279" r:id="rId30"/>
   </p:sldIdLst>
   <p:sldSz cx="12192000" cy="6858000"/>
   <p:notesSz cx="6858000" cy="9144000"/>
@@ -2702,10 +2701,7 @@
               <a:tabLst/>
               <a:defRPr/>
             </a:pPr>
-            <a:r>
-              <a:rPr lang="en-GB" dirty="0"/>
-              <a:t>In this next section I increase the complexity of the model by considering the case where multiple harmonics are excited. I look at how the heating rate per unit of wave energy changes depending on how many harmonics I excite and the slope of the of the power spectrum.</a:t>
-            </a:r>
+            <a:endParaRPr lang="en-GB" dirty="0"/>
           </a:p>
         </p:txBody>
       </p:sp>
@@ -2735,7 +2731,7 @@
     </p:spTree>
     <p:extLst>
       <p:ext uri="{BB962C8B-B14F-4D97-AF65-F5344CB8AC3E}">
-        <p14:creationId xmlns:p14="http://schemas.microsoft.com/office/powerpoint/2010/main" val="3665120516"/>
+        <p14:creationId xmlns:p14="http://schemas.microsoft.com/office/powerpoint/2010/main" val="2620132729"/>
       </p:ext>
     </p:extLst>
   </p:cSld>
@@ -2789,23 +2785,6 @@
           <a:bodyPr/>
           <a:lstStyle/>
           <a:p>
-            <a:pPr marL="0" marR="0" lvl="0" indent="0" algn="l" defTabSz="914400" rtl="0" eaLnBrk="1" fontAlgn="auto" latinLnBrk="0" hangingPunct="1">
-              <a:lnSpc>
-                <a:spcPct val="100000"/>
-              </a:lnSpc>
-              <a:spcBef>
-                <a:spcPts val="0"/>
-              </a:spcBef>
-              <a:spcAft>
-                <a:spcPts val="0"/>
-              </a:spcAft>
-              <a:buClrTx/>
-              <a:buSzTx/>
-              <a:buFontTx/>
-              <a:buNone/>
-              <a:tabLst/>
-              <a:defRPr/>
-            </a:pPr>
             <a:endParaRPr lang="en-GB" dirty="0"/>
           </a:p>
         </p:txBody>
@@ -2828,90 +2807,6 @@
             <a:fld id="{FF8E2075-CA56-421E-B5CA-3A21695CDA2C}" type="slidenum">
               <a:rPr lang="en-GB" smtClean="0"/>
               <a:t>27</a:t>
-            </a:fld>
-            <a:endParaRPr lang="en-GB"/>
-          </a:p>
-        </p:txBody>
-      </p:sp>
-    </p:spTree>
-    <p:extLst>
-      <p:ext uri="{BB962C8B-B14F-4D97-AF65-F5344CB8AC3E}">
-        <p14:creationId xmlns:p14="http://schemas.microsoft.com/office/powerpoint/2010/main" val="2620132729"/>
-      </p:ext>
-    </p:extLst>
-  </p:cSld>
-  <p:clrMapOvr>
-    <a:masterClrMapping/>
-  </p:clrMapOvr>
-</p:notes>
-</file>
-
-<file path=ppt/notesSlides/notesSlide28.xml><?xml version="1.0" encoding="utf-8"?>
-<p:notes xmlns:a="http://schemas.openxmlformats.org/drawingml/2006/main" xmlns:r="http://schemas.openxmlformats.org/officeDocument/2006/relationships" xmlns:p="http://schemas.openxmlformats.org/presentationml/2006/main">
-  <p:cSld>
-    <p:spTree>
-      <p:nvGrpSpPr>
-        <p:cNvPr id="1" name=""/>
-        <p:cNvGrpSpPr/>
-        <p:nvPr/>
-      </p:nvGrpSpPr>
-      <p:grpSpPr>
-        <a:xfrm>
-          <a:off x="0" y="0"/>
-          <a:ext cx="0" cy="0"/>
-          <a:chOff x="0" y="0"/>
-          <a:chExt cx="0" cy="0"/>
-        </a:xfrm>
-      </p:grpSpPr>
-      <p:sp>
-        <p:nvSpPr>
-          <p:cNvPr id="2" name="Slide Image Placeholder 1"/>
-          <p:cNvSpPr>
-            <a:spLocks noGrp="1" noRot="1" noChangeAspect="1"/>
-          </p:cNvSpPr>
-          <p:nvPr>
-            <p:ph type="sldImg"/>
-          </p:nvPr>
-        </p:nvSpPr>
-        <p:spPr/>
-      </p:sp>
-      <p:sp>
-        <p:nvSpPr>
-          <p:cNvPr id="3" name="Notes Placeholder 2"/>
-          <p:cNvSpPr>
-            <a:spLocks noGrp="1"/>
-          </p:cNvSpPr>
-          <p:nvPr>
-            <p:ph type="body" idx="1"/>
-          </p:nvPr>
-        </p:nvSpPr>
-        <p:spPr/>
-        <p:txBody>
-          <a:bodyPr/>
-          <a:lstStyle/>
-          <a:p>
-            <a:endParaRPr lang="en-GB" dirty="0"/>
-          </a:p>
-        </p:txBody>
-      </p:sp>
-      <p:sp>
-        <p:nvSpPr>
-          <p:cNvPr id="4" name="Slide Number Placeholder 3"/>
-          <p:cNvSpPr>
-            <a:spLocks noGrp="1"/>
-          </p:cNvSpPr>
-          <p:nvPr>
-            <p:ph type="sldNum" sz="quarter" idx="5"/>
-          </p:nvPr>
-        </p:nvSpPr>
-        <p:spPr/>
-        <p:txBody>
-          <a:bodyPr/>
-          <a:lstStyle/>
-          <a:p>
-            <a:fld id="{FF8E2075-CA56-421E-B5CA-3A21695CDA2C}" type="slidenum">
-              <a:rPr lang="en-GB" smtClean="0"/>
-              <a:t>28</a:t>
             </a:fld>
             <a:endParaRPr lang="en-GB"/>
           </a:p>
@@ -10369,8 +10264,8 @@
           </a:p>
         </p:txBody>
       </p:sp>
-      <mc:AlternateContent xmlns:mc="http://schemas.openxmlformats.org/markup-compatibility/2006">
-        <mc:Choice xmlns:a14="http://schemas.microsoft.com/office/drawing/2010/main" Requires="a14">
+      <mc:AlternateContent xmlns:mc="http://schemas.openxmlformats.org/markup-compatibility/2006" xmlns:a14="http://schemas.microsoft.com/office/drawing/2010/main">
+        <mc:Choice Requires="a14">
           <p:sp>
             <p:nvSpPr>
               <p:cNvPr id="3" name="Content Placeholder 2">
@@ -10483,7 +10378,7 @@
             </p:txBody>
           </p:sp>
         </mc:Choice>
-        <mc:Fallback>
+        <mc:Fallback xmlns="">
           <p:sp>
             <p:nvSpPr>
               <p:cNvPr id="3" name="Content Placeholder 2">
@@ -10523,8 +10418,8 @@
           </p:sp>
         </mc:Fallback>
       </mc:AlternateContent>
-      <mc:AlternateContent xmlns:mc="http://schemas.openxmlformats.org/markup-compatibility/2006">
-        <mc:Choice xmlns:a14="http://schemas.microsoft.com/office/drawing/2010/main" Requires="a14">
+      <mc:AlternateContent xmlns:mc="http://schemas.openxmlformats.org/markup-compatibility/2006" xmlns:a14="http://schemas.microsoft.com/office/drawing/2010/main">
+        <mc:Choice Requires="a14">
           <p:sp>
             <p:nvSpPr>
               <p:cNvPr id="4" name="Content Placeholder 3">
@@ -10717,7 +10612,7 @@
             </p:txBody>
           </p:sp>
         </mc:Choice>
-        <mc:Fallback>
+        <mc:Fallback xmlns="">
           <p:sp>
             <p:nvSpPr>
               <p:cNvPr id="4" name="Content Placeholder 3">
@@ -10815,8 +10710,8 @@
           </a:p>
         </p:txBody>
       </p:sp>
-      <mc:AlternateContent xmlns:mc="http://schemas.openxmlformats.org/markup-compatibility/2006">
-        <mc:Choice xmlns:a14="http://schemas.microsoft.com/office/drawing/2010/main" Requires="a14">
+      <mc:AlternateContent xmlns:mc="http://schemas.openxmlformats.org/markup-compatibility/2006" xmlns:a14="http://schemas.microsoft.com/office/drawing/2010/main">
+        <mc:Choice Requires="a14">
           <p:sp>
             <p:nvSpPr>
               <p:cNvPr id="3" name="Content Placeholder 2">
@@ -10935,7 +10830,7 @@
             </p:txBody>
           </p:sp>
         </mc:Choice>
-        <mc:Fallback>
+        <mc:Fallback xmlns="">
           <p:sp>
             <p:nvSpPr>
               <p:cNvPr id="3" name="Content Placeholder 2">
@@ -11068,8 +10963,8 @@
           </a:p>
         </p:txBody>
       </p:sp>
-      <mc:AlternateContent xmlns:mc="http://schemas.openxmlformats.org/markup-compatibility/2006">
-        <mc:Choice xmlns:a14="http://schemas.microsoft.com/office/drawing/2010/main" Requires="a14">
+      <mc:AlternateContent xmlns:mc="http://schemas.openxmlformats.org/markup-compatibility/2006" xmlns:a14="http://schemas.microsoft.com/office/drawing/2010/main">
+        <mc:Choice Requires="a14">
           <p:sp>
             <p:nvSpPr>
               <p:cNvPr id="3" name="Content Placeholder 2">
@@ -11194,7 +11089,7 @@
             </p:txBody>
           </p:sp>
         </mc:Choice>
-        <mc:Fallback>
+        <mc:Fallback xmlns="">
           <p:sp>
             <p:nvSpPr>
               <p:cNvPr id="3" name="Content Placeholder 2">
@@ -11327,8 +11222,8 @@
           </a:p>
         </p:txBody>
       </p:sp>
-      <mc:AlternateContent xmlns:mc="http://schemas.openxmlformats.org/markup-compatibility/2006">
-        <mc:Choice xmlns:a14="http://schemas.microsoft.com/office/drawing/2010/main" Requires="a14">
+      <mc:AlternateContent xmlns:mc="http://schemas.openxmlformats.org/markup-compatibility/2006" xmlns:a14="http://schemas.microsoft.com/office/drawing/2010/main">
+        <mc:Choice Requires="a14">
           <p:sp>
             <p:nvSpPr>
               <p:cNvPr id="3" name="Content Placeholder 2">
@@ -11459,7 +11354,7 @@
             </p:txBody>
           </p:sp>
         </mc:Choice>
-        <mc:Fallback>
+        <mc:Fallback xmlns="">
           <p:sp>
             <p:nvSpPr>
               <p:cNvPr id="3" name="Content Placeholder 2">
@@ -11586,267 +11481,8 @@
           </a:p>
         </p:txBody>
       </p:sp>
-      <mc:AlternateContent xmlns:mc="http://schemas.openxmlformats.org/markup-compatibility/2006">
-        <mc:Choice xmlns:a14="http://schemas.microsoft.com/office/drawing/2010/main" Requires="a14">
-          <p:sp>
-            <p:nvSpPr>
-              <p:cNvPr id="3" name="Content Placeholder 2">
-                <a:extLst>
-                  <a:ext uri="{FF2B5EF4-FFF2-40B4-BE49-F238E27FC236}">
-                    <a16:creationId xmlns:a16="http://schemas.microsoft.com/office/drawing/2014/main" id="{22CAA699-20C9-46D7-894F-FCDEC2CF9DC8}"/>
-                  </a:ext>
-                </a:extLst>
-              </p:cNvPr>
-              <p:cNvSpPr>
-                <a:spLocks noGrp="1"/>
-              </p:cNvSpPr>
-              <p:nvPr>
-                <p:ph sz="half" idx="1"/>
-              </p:nvPr>
-            </p:nvSpPr>
-            <p:spPr/>
-            <p:txBody>
-              <a:bodyPr/>
-              <a:lstStyle/>
-              <a:p>
-                <a14:m>
-                  <m:oMath xmlns:m="http://schemas.openxmlformats.org/officeDocument/2006/math">
-                    <m:r>
-                      <a:rPr lang="en-GB" b="0" i="1" smtClean="0">
-                        <a:latin typeface="Cambria Math" panose="02040503050406030204" pitchFamily="18" charset="0"/>
-                      </a:rPr>
-                      <m:t>𝛾</m:t>
-                    </m:r>
-                    <m:r>
-                      <a:rPr lang="en-GB" b="0" i="1" smtClean="0">
-                        <a:latin typeface="Cambria Math" panose="02040503050406030204" pitchFamily="18" charset="0"/>
-                      </a:rPr>
-                      <m:t>=</m:t>
-                    </m:r>
-                    <m:f>
-                      <m:fPr>
-                        <m:ctrlPr>
-                          <a:rPr lang="en-GB" b="0" i="1" smtClean="0">
-                            <a:latin typeface="Cambria Math" panose="02040503050406030204" pitchFamily="18" charset="0"/>
-                          </a:rPr>
-                        </m:ctrlPr>
-                      </m:fPr>
-                      <m:num>
-                        <m:r>
-                          <m:rPr>
-                            <m:nor/>
-                          </m:rPr>
-                          <a:rPr lang="en-GB" b="0" i="0" smtClean="0">
-                            <a:latin typeface="Cambria Math" panose="02040503050406030204" pitchFamily="18" charset="0"/>
-                          </a:rPr>
-                          <m:t>Heating</m:t>
-                        </m:r>
-                        <m:r>
-                          <m:rPr>
-                            <m:nor/>
-                          </m:rPr>
-                          <a:rPr lang="en-GB" b="0" i="0" smtClean="0">
-                            <a:latin typeface="Cambria Math" panose="02040503050406030204" pitchFamily="18" charset="0"/>
-                          </a:rPr>
-                          <m:t> </m:t>
-                        </m:r>
-                        <m:r>
-                          <m:rPr>
-                            <m:nor/>
-                          </m:rPr>
-                          <a:rPr lang="en-GB" b="0" i="0" smtClean="0">
-                            <a:latin typeface="Cambria Math" panose="02040503050406030204" pitchFamily="18" charset="0"/>
-                          </a:rPr>
-                          <m:t>rate</m:t>
-                        </m:r>
-                      </m:num>
-                      <m:den>
-                        <m:r>
-                          <m:rPr>
-                            <m:nor/>
-                          </m:rPr>
-                          <a:rPr lang="en-GB" b="0" i="0" smtClean="0">
-                            <a:latin typeface="Cambria Math" panose="02040503050406030204" pitchFamily="18" charset="0"/>
-                          </a:rPr>
-                          <m:t>Wave</m:t>
-                        </m:r>
-                        <m:r>
-                          <m:rPr>
-                            <m:nor/>
-                          </m:rPr>
-                          <a:rPr lang="en-GB" b="0" i="0" smtClean="0">
-                            <a:latin typeface="Cambria Math" panose="02040503050406030204" pitchFamily="18" charset="0"/>
-                          </a:rPr>
-                          <m:t> </m:t>
-                        </m:r>
-                        <m:r>
-                          <m:rPr>
-                            <m:nor/>
-                          </m:rPr>
-                          <a:rPr lang="en-GB" b="0" i="0" smtClean="0">
-                            <a:latin typeface="Cambria Math" panose="02040503050406030204" pitchFamily="18" charset="0"/>
-                          </a:rPr>
-                          <m:t>energy</m:t>
-                        </m:r>
-                      </m:den>
-                    </m:f>
-                  </m:oMath>
-                </a14:m>
-                <a:endParaRPr lang="en-GB" dirty="0"/>
-              </a:p>
-              <a:p>
-                <a:r>
-                  <a:rPr lang="en-GB" dirty="0"/>
-                  <a:t>Open loop</a:t>
-                </a:r>
-              </a:p>
-              <a:p>
-                <a:r>
-                  <a:rPr lang="en-GB" dirty="0"/>
-                  <a:t>Closed loop: single harmonic</a:t>
-                </a:r>
-              </a:p>
-              <a:p>
-                <a:r>
-                  <a:rPr lang="en-GB" dirty="0"/>
-                  <a:t>Closed loop: multiple harmonics</a:t>
-                </a:r>
-              </a:p>
-              <a:p>
-                <a:endParaRPr lang="en-GB" dirty="0"/>
-              </a:p>
-            </p:txBody>
-          </p:sp>
-        </mc:Choice>
-        <mc:Fallback>
-          <p:sp>
-            <p:nvSpPr>
-              <p:cNvPr id="3" name="Content Placeholder 2">
-                <a:extLst>
-                  <a:ext uri="{FF2B5EF4-FFF2-40B4-BE49-F238E27FC236}">
-                    <a16:creationId xmlns:a16="http://schemas.microsoft.com/office/drawing/2014/main" id="{22CAA699-20C9-46D7-894F-FCDEC2CF9DC8}"/>
-                  </a:ext>
-                </a:extLst>
-              </p:cNvPr>
-              <p:cNvSpPr>
-                <a:spLocks noGrp="1" noRot="1" noChangeAspect="1" noMove="1" noResize="1" noEditPoints="1" noAdjustHandles="1" noChangeArrowheads="1" noChangeShapeType="1" noTextEdit="1"/>
-              </p:cNvSpPr>
-              <p:nvPr>
-                <p:ph sz="half" idx="1"/>
-              </p:nvPr>
-            </p:nvSpPr>
-            <p:spPr>
-              <a:blipFill>
-                <a:blip r:embed="rId3"/>
-                <a:stretch>
-                  <a:fillRect l="-2118"/>
-                </a:stretch>
-              </a:blipFill>
-            </p:spPr>
-            <p:txBody>
-              <a:bodyPr/>
-              <a:lstStyle/>
-              <a:p>
-                <a:r>
-                  <a:rPr lang="en-GB">
-                    <a:noFill/>
-                  </a:rPr>
-                  <a:t> </a:t>
-                </a:r>
-              </a:p>
-            </p:txBody>
-          </p:sp>
-        </mc:Fallback>
-      </mc:AlternateContent>
-      <p:pic>
-        <p:nvPicPr>
-          <p:cNvPr id="7" name="Content Placeholder 6">
-            <a:extLst>
-              <a:ext uri="{FF2B5EF4-FFF2-40B4-BE49-F238E27FC236}">
-                <a16:creationId xmlns:a16="http://schemas.microsoft.com/office/drawing/2014/main" id="{293B8906-53F6-4526-B0CF-C62778E04E9F}"/>
-              </a:ext>
-            </a:extLst>
-          </p:cNvPr>
-          <p:cNvPicPr>
-            <a:picLocks noGrp="1" noChangeAspect="1"/>
-          </p:cNvPicPr>
-          <p:nvPr>
-            <p:ph sz="half" idx="2"/>
-          </p:nvPr>
-        </p:nvPicPr>
-        <p:blipFill>
-          <a:blip r:embed="rId4"/>
-          <a:stretch>
-            <a:fillRect/>
-          </a:stretch>
-        </p:blipFill>
-        <p:spPr>
-          <a:xfrm>
-            <a:off x="6172200" y="2547009"/>
-            <a:ext cx="5181600" cy="2908570"/>
-          </a:xfrm>
-        </p:spPr>
-      </p:pic>
-    </p:spTree>
-    <p:extLst>
-      <p:ext uri="{BB962C8B-B14F-4D97-AF65-F5344CB8AC3E}">
-        <p14:creationId xmlns:p14="http://schemas.microsoft.com/office/powerpoint/2010/main" val="1412629976"/>
-      </p:ext>
-    </p:extLst>
-  </p:cSld>
-  <p:clrMapOvr>
-    <a:masterClrMapping/>
-  </p:clrMapOvr>
-</p:sld>
-</file>
-
-<file path=ppt/slides/slide27.xml><?xml version="1.0" encoding="utf-8"?>
-<p:sld xmlns:a="http://schemas.openxmlformats.org/drawingml/2006/main" xmlns:r="http://schemas.openxmlformats.org/officeDocument/2006/relationships" xmlns:p="http://schemas.openxmlformats.org/presentationml/2006/main">
-  <p:cSld>
-    <p:spTree>
-      <p:nvGrpSpPr>
-        <p:cNvPr id="1" name=""/>
-        <p:cNvGrpSpPr/>
-        <p:nvPr/>
-      </p:nvGrpSpPr>
-      <p:grpSpPr>
-        <a:xfrm>
-          <a:off x="0" y="0"/>
-          <a:ext cx="0" cy="0"/>
-          <a:chOff x="0" y="0"/>
-          <a:chExt cx="0" cy="0"/>
-        </a:xfrm>
-      </p:grpSpPr>
-      <p:sp>
-        <p:nvSpPr>
-          <p:cNvPr id="2" name="Title 1">
-            <a:extLst>
-              <a:ext uri="{FF2B5EF4-FFF2-40B4-BE49-F238E27FC236}">
-                <a16:creationId xmlns:a16="http://schemas.microsoft.com/office/drawing/2014/main" id="{EA765C4E-ECA8-47FD-A71F-FA0E1B024468}"/>
-              </a:ext>
-            </a:extLst>
-          </p:cNvPr>
-          <p:cNvSpPr>
-            <a:spLocks noGrp="1"/>
-          </p:cNvSpPr>
-          <p:nvPr>
-            <p:ph type="title"/>
-          </p:nvPr>
-        </p:nvSpPr>
-        <p:spPr/>
-        <p:txBody>
-          <a:bodyPr/>
-          <a:lstStyle/>
-          <a:p>
-            <a:r>
-              <a:rPr lang="en-GB" dirty="0"/>
-              <a:t>Chap 3: Resistive phase-mixed Alfvén waves</a:t>
-            </a:r>
-          </a:p>
-        </p:txBody>
-      </p:sp>
-      <mc:AlternateContent xmlns:mc="http://schemas.openxmlformats.org/markup-compatibility/2006">
-        <mc:Choice xmlns:a14="http://schemas.microsoft.com/office/drawing/2010/main" Requires="a14">
+      <mc:AlternateContent xmlns:mc="http://schemas.openxmlformats.org/markup-compatibility/2006" xmlns:a14="http://schemas.microsoft.com/office/drawing/2010/main">
+        <mc:Choice Requires="a14">
           <p:sp>
             <p:nvSpPr>
               <p:cNvPr id="3" name="Content Placeholder 2">
@@ -11983,7 +11619,7 @@
             </p:txBody>
           </p:sp>
         </mc:Choice>
-        <mc:Fallback>
+        <mc:Fallback xmlns="">
           <p:sp>
             <p:nvSpPr>
               <p:cNvPr id="3" name="Content Placeholder 2">
@@ -12065,7 +11701,7 @@
 </p:sld>
 </file>
 
-<file path=ppt/slides/slide28.xml><?xml version="1.0" encoding="utf-8"?>
+<file path=ppt/slides/slide27.xml><?xml version="1.0" encoding="utf-8"?>
 <p:sld xmlns:a="http://schemas.openxmlformats.org/drawingml/2006/main" xmlns:r="http://schemas.openxmlformats.org/officeDocument/2006/relationships" xmlns:p="http://schemas.openxmlformats.org/presentationml/2006/main">
   <p:cSld>
     <p:spTree>
@@ -12110,8 +11746,8 @@
           </a:p>
         </p:txBody>
       </p:sp>
-      <mc:AlternateContent xmlns:mc="http://schemas.openxmlformats.org/markup-compatibility/2006">
-        <mc:Choice xmlns:a14="http://schemas.microsoft.com/office/drawing/2010/main" Requires="a14">
+      <mc:AlternateContent xmlns:mc="http://schemas.openxmlformats.org/markup-compatibility/2006" xmlns:a14="http://schemas.microsoft.com/office/drawing/2010/main">
+        <mc:Choice Requires="a14">
           <p:sp>
             <p:nvSpPr>
               <p:cNvPr id="3" name="Content Placeholder 2">
@@ -12251,7 +11887,7 @@
             </p:txBody>
           </p:sp>
         </mc:Choice>
-        <mc:Fallback>
+        <mc:Fallback xmlns="">
           <p:sp>
             <p:nvSpPr>
               <p:cNvPr id="3" name="Content Placeholder 2">
@@ -12329,6 +11965,111 @@
 </p:sld>
 </file>
 
+<file path=ppt/slides/slide28.xml><?xml version="1.0" encoding="utf-8"?>
+<p:sld xmlns:a="http://schemas.openxmlformats.org/drawingml/2006/main" xmlns:r="http://schemas.openxmlformats.org/officeDocument/2006/relationships" xmlns:p="http://schemas.openxmlformats.org/presentationml/2006/main">
+  <p:cSld>
+    <p:spTree>
+      <p:nvGrpSpPr>
+        <p:cNvPr id="1" name=""/>
+        <p:cNvGrpSpPr/>
+        <p:nvPr/>
+      </p:nvGrpSpPr>
+      <p:grpSpPr>
+        <a:xfrm>
+          <a:off x="0" y="0"/>
+          <a:ext cx="0" cy="0"/>
+          <a:chOff x="0" y="0"/>
+          <a:chExt cx="0" cy="0"/>
+        </a:xfrm>
+      </p:grpSpPr>
+      <p:sp>
+        <p:nvSpPr>
+          <p:cNvPr id="2" name="Title 1">
+            <a:extLst>
+              <a:ext uri="{FF2B5EF4-FFF2-40B4-BE49-F238E27FC236}">
+                <a16:creationId xmlns:a16="http://schemas.microsoft.com/office/drawing/2014/main" id="{BE098AAA-F59F-46CA-AC7E-511B974FD031}"/>
+              </a:ext>
+            </a:extLst>
+          </p:cNvPr>
+          <p:cNvSpPr>
+            <a:spLocks noGrp="1"/>
+          </p:cNvSpPr>
+          <p:nvPr>
+            <p:ph type="title"/>
+          </p:nvPr>
+        </p:nvSpPr>
+        <p:spPr/>
+        <p:txBody>
+          <a:bodyPr/>
+          <a:lstStyle/>
+          <a:p>
+            <a:endParaRPr lang="en-GB"/>
+          </a:p>
+        </p:txBody>
+      </p:sp>
+      <p:sp>
+        <p:nvSpPr>
+          <p:cNvPr id="3" name="Content Placeholder 2">
+            <a:extLst>
+              <a:ext uri="{FF2B5EF4-FFF2-40B4-BE49-F238E27FC236}">
+                <a16:creationId xmlns:a16="http://schemas.microsoft.com/office/drawing/2014/main" id="{B326B400-0E74-4D24-9CEB-ECA0323AF7F0}"/>
+              </a:ext>
+            </a:extLst>
+          </p:cNvPr>
+          <p:cNvSpPr>
+            <a:spLocks noGrp="1"/>
+          </p:cNvSpPr>
+          <p:nvPr>
+            <p:ph sz="half" idx="1"/>
+          </p:nvPr>
+        </p:nvSpPr>
+        <p:spPr/>
+        <p:txBody>
+          <a:bodyPr/>
+          <a:lstStyle/>
+          <a:p>
+            <a:endParaRPr lang="en-GB"/>
+          </a:p>
+        </p:txBody>
+      </p:sp>
+      <p:sp>
+        <p:nvSpPr>
+          <p:cNvPr id="4" name="Content Placeholder 3">
+            <a:extLst>
+              <a:ext uri="{FF2B5EF4-FFF2-40B4-BE49-F238E27FC236}">
+                <a16:creationId xmlns:a16="http://schemas.microsoft.com/office/drawing/2014/main" id="{32725688-7F7D-488A-B680-6B49907223DB}"/>
+              </a:ext>
+            </a:extLst>
+          </p:cNvPr>
+          <p:cNvSpPr>
+            <a:spLocks noGrp="1"/>
+          </p:cNvSpPr>
+          <p:nvPr>
+            <p:ph sz="half" idx="2"/>
+          </p:nvPr>
+        </p:nvSpPr>
+        <p:spPr/>
+        <p:txBody>
+          <a:bodyPr/>
+          <a:lstStyle/>
+          <a:p>
+            <a:endParaRPr lang="en-GB" dirty="0"/>
+          </a:p>
+        </p:txBody>
+      </p:sp>
+    </p:spTree>
+    <p:extLst>
+      <p:ext uri="{BB962C8B-B14F-4D97-AF65-F5344CB8AC3E}">
+        <p14:creationId xmlns:p14="http://schemas.microsoft.com/office/powerpoint/2010/main" val="1670891479"/>
+      </p:ext>
+    </p:extLst>
+  </p:cSld>
+  <p:clrMapOvr>
+    <a:masterClrMapping/>
+  </p:clrMapOvr>
+</p:sld>
+</file>
+
 <file path=ppt/slides/slide29.xml><?xml version="1.0" encoding="utf-8"?>
 <p:sld xmlns:a="http://schemas.openxmlformats.org/drawingml/2006/main" xmlns:r="http://schemas.openxmlformats.org/officeDocument/2006/relationships" xmlns:p="http://schemas.openxmlformats.org/presentationml/2006/main">
   <p:cSld>
@@ -12348,10 +12089,10 @@
       </p:grpSpPr>
       <p:sp>
         <p:nvSpPr>
-          <p:cNvPr id="2" name="Title 1">
+          <p:cNvPr id="21" name="Title 20">
             <a:extLst>
               <a:ext uri="{FF2B5EF4-FFF2-40B4-BE49-F238E27FC236}">
-                <a16:creationId xmlns:a16="http://schemas.microsoft.com/office/drawing/2014/main" id="{BE098AAA-F59F-46CA-AC7E-511B974FD031}"/>
+                <a16:creationId xmlns:a16="http://schemas.microsoft.com/office/drawing/2014/main" id="{92D2E2E1-F0FC-443D-A134-B28E387D7E2A}"/>
               </a:ext>
             </a:extLst>
           </p:cNvPr>
@@ -12373,10 +12114,10 @@
       </p:sp>
       <p:sp>
         <p:nvSpPr>
-          <p:cNvPr id="3" name="Content Placeholder 2">
+          <p:cNvPr id="22" name="Content Placeholder 21">
             <a:extLst>
               <a:ext uri="{FF2B5EF4-FFF2-40B4-BE49-F238E27FC236}">
-                <a16:creationId xmlns:a16="http://schemas.microsoft.com/office/drawing/2014/main" id="{B326B400-0E74-4D24-9CEB-ECA0323AF7F0}"/>
+                <a16:creationId xmlns:a16="http://schemas.microsoft.com/office/drawing/2014/main" id="{7B3FE8D0-4374-4982-ABFF-952B4F6A1E76}"/>
               </a:ext>
             </a:extLst>
           </p:cNvPr>
@@ -12396,35 +12137,45 @@
           </a:p>
         </p:txBody>
       </p:sp>
-      <p:sp>
-        <p:nvSpPr>
-          <p:cNvPr id="4" name="Content Placeholder 3">
+      <p:pic>
+        <p:nvPicPr>
+          <p:cNvPr id="37" name="Content Placeholder 36" descr="Graphical user interface, chart, diagram, histogram&#10;&#10;Description automatically generated">
             <a:extLst>
               <a:ext uri="{FF2B5EF4-FFF2-40B4-BE49-F238E27FC236}">
-                <a16:creationId xmlns:a16="http://schemas.microsoft.com/office/drawing/2014/main" id="{32725688-7F7D-488A-B680-6B49907223DB}"/>
+                <a16:creationId xmlns:a16="http://schemas.microsoft.com/office/drawing/2014/main" id="{A651CAEE-F08F-42E6-A5DC-7C12BA94F6D6}"/>
               </a:ext>
             </a:extLst>
           </p:cNvPr>
-          <p:cNvSpPr>
-            <a:spLocks noGrp="1"/>
-          </p:cNvSpPr>
+          <p:cNvPicPr>
+            <a:picLocks noGrp="1" noChangeAspect="1"/>
+          </p:cNvPicPr>
           <p:nvPr>
             <p:ph sz="half" idx="2"/>
           </p:nvPr>
-        </p:nvSpPr>
-        <p:spPr/>
-        <p:txBody>
-          <a:bodyPr/>
-          <a:lstStyle/>
-          <a:p>
-            <a:endParaRPr lang="en-GB" dirty="0"/>
-          </a:p>
-        </p:txBody>
-      </p:sp>
+        </p:nvPicPr>
+        <p:blipFill>
+          <a:blip r:embed="rId2">
+            <a:extLst>
+              <a:ext uri="{28A0092B-C50C-407E-A947-70E740481C1C}">
+                <a14:useLocalDpi xmlns:a14="http://schemas.microsoft.com/office/drawing/2010/main" val="0"/>
+              </a:ext>
+            </a:extLst>
+          </a:blip>
+          <a:stretch>
+            <a:fillRect/>
+          </a:stretch>
+        </p:blipFill>
+        <p:spPr>
+          <a:xfrm>
+            <a:off x="7263639" y="1825625"/>
+            <a:ext cx="2998722" cy="4351338"/>
+          </a:xfrm>
+        </p:spPr>
+      </p:pic>
     </p:spTree>
     <p:extLst>
       <p:ext uri="{BB962C8B-B14F-4D97-AF65-F5344CB8AC3E}">
-        <p14:creationId xmlns:p14="http://schemas.microsoft.com/office/powerpoint/2010/main" val="1670891479"/>
+        <p14:creationId xmlns:p14="http://schemas.microsoft.com/office/powerpoint/2010/main" val="3284542335"/>
       </p:ext>
     </p:extLst>
   </p:cSld>
@@ -12536,121 +12287,6 @@
     <p:extLst>
       <p:ext uri="{BB962C8B-B14F-4D97-AF65-F5344CB8AC3E}">
         <p14:creationId xmlns:p14="http://schemas.microsoft.com/office/powerpoint/2010/main" val="2867765741"/>
-      </p:ext>
-    </p:extLst>
-  </p:cSld>
-  <p:clrMapOvr>
-    <a:masterClrMapping/>
-  </p:clrMapOvr>
-</p:sld>
-</file>
-
-<file path=ppt/slides/slide30.xml><?xml version="1.0" encoding="utf-8"?>
-<p:sld xmlns:a="http://schemas.openxmlformats.org/drawingml/2006/main" xmlns:r="http://schemas.openxmlformats.org/officeDocument/2006/relationships" xmlns:p="http://schemas.openxmlformats.org/presentationml/2006/main">
-  <p:cSld>
-    <p:spTree>
-      <p:nvGrpSpPr>
-        <p:cNvPr id="1" name=""/>
-        <p:cNvGrpSpPr/>
-        <p:nvPr/>
-      </p:nvGrpSpPr>
-      <p:grpSpPr>
-        <a:xfrm>
-          <a:off x="0" y="0"/>
-          <a:ext cx="0" cy="0"/>
-          <a:chOff x="0" y="0"/>
-          <a:chExt cx="0" cy="0"/>
-        </a:xfrm>
-      </p:grpSpPr>
-      <p:sp>
-        <p:nvSpPr>
-          <p:cNvPr id="21" name="Title 20">
-            <a:extLst>
-              <a:ext uri="{FF2B5EF4-FFF2-40B4-BE49-F238E27FC236}">
-                <a16:creationId xmlns:a16="http://schemas.microsoft.com/office/drawing/2014/main" id="{92D2E2E1-F0FC-443D-A134-B28E387D7E2A}"/>
-              </a:ext>
-            </a:extLst>
-          </p:cNvPr>
-          <p:cNvSpPr>
-            <a:spLocks noGrp="1"/>
-          </p:cNvSpPr>
-          <p:nvPr>
-            <p:ph type="title"/>
-          </p:nvPr>
-        </p:nvSpPr>
-        <p:spPr/>
-        <p:txBody>
-          <a:bodyPr/>
-          <a:lstStyle/>
-          <a:p>
-            <a:endParaRPr lang="en-GB"/>
-          </a:p>
-        </p:txBody>
-      </p:sp>
-      <p:sp>
-        <p:nvSpPr>
-          <p:cNvPr id="22" name="Content Placeholder 21">
-            <a:extLst>
-              <a:ext uri="{FF2B5EF4-FFF2-40B4-BE49-F238E27FC236}">
-                <a16:creationId xmlns:a16="http://schemas.microsoft.com/office/drawing/2014/main" id="{7B3FE8D0-4374-4982-ABFF-952B4F6A1E76}"/>
-              </a:ext>
-            </a:extLst>
-          </p:cNvPr>
-          <p:cNvSpPr>
-            <a:spLocks noGrp="1"/>
-          </p:cNvSpPr>
-          <p:nvPr>
-            <p:ph sz="half" idx="1"/>
-          </p:nvPr>
-        </p:nvSpPr>
-        <p:spPr/>
-        <p:txBody>
-          <a:bodyPr/>
-          <a:lstStyle/>
-          <a:p>
-            <a:endParaRPr lang="en-GB"/>
-          </a:p>
-        </p:txBody>
-      </p:sp>
-      <p:pic>
-        <p:nvPicPr>
-          <p:cNvPr id="37" name="Content Placeholder 36" descr="Graphical user interface, chart, diagram, histogram&#10;&#10;Description automatically generated">
-            <a:extLst>
-              <a:ext uri="{FF2B5EF4-FFF2-40B4-BE49-F238E27FC236}">
-                <a16:creationId xmlns:a16="http://schemas.microsoft.com/office/drawing/2014/main" id="{A651CAEE-F08F-42E6-A5DC-7C12BA94F6D6}"/>
-              </a:ext>
-            </a:extLst>
-          </p:cNvPr>
-          <p:cNvPicPr>
-            <a:picLocks noGrp="1" noChangeAspect="1"/>
-          </p:cNvPicPr>
-          <p:nvPr>
-            <p:ph sz="half" idx="2"/>
-          </p:nvPr>
-        </p:nvPicPr>
-        <p:blipFill>
-          <a:blip r:embed="rId2">
-            <a:extLst>
-              <a:ext uri="{28A0092B-C50C-407E-A947-70E740481C1C}">
-                <a14:useLocalDpi xmlns:a14="http://schemas.microsoft.com/office/drawing/2010/main" val="0"/>
-              </a:ext>
-            </a:extLst>
-          </a:blip>
-          <a:stretch>
-            <a:fillRect/>
-          </a:stretch>
-        </p:blipFill>
-        <p:spPr>
-          <a:xfrm>
-            <a:off x="7263639" y="1825625"/>
-            <a:ext cx="2998722" cy="4351338"/>
-          </a:xfrm>
-        </p:spPr>
-      </p:pic>
-    </p:spTree>
-    <p:extLst>
-      <p:ext uri="{BB962C8B-B14F-4D97-AF65-F5344CB8AC3E}">
-        <p14:creationId xmlns:p14="http://schemas.microsoft.com/office/powerpoint/2010/main" val="3284542335"/>
       </p:ext>
     </p:extLst>
   </p:cSld>
